--- a/自動化測試Demoby Adan.pptx
+++ b/自動化測試Demoby Adan.pptx
@@ -5,10 +5,10 @@
     <p:sldMasterId id="2147483667" r:id="rId1"/>
   </p:sldMasterIdLst>
   <p:notesMasterIdLst>
-    <p:notesMasterId r:id="rId14"/>
+    <p:notesMasterId r:id="rId15"/>
   </p:notesMasterIdLst>
   <p:handoutMasterIdLst>
-    <p:handoutMasterId r:id="rId15"/>
+    <p:handoutMasterId r:id="rId16"/>
   </p:handoutMasterIdLst>
   <p:sldIdLst>
     <p:sldId id="310" r:id="rId2"/>
@@ -20,9 +20,10 @@
     <p:sldId id="324" r:id="rId8"/>
     <p:sldId id="373" r:id="rId9"/>
     <p:sldId id="375" r:id="rId10"/>
-    <p:sldId id="376" r:id="rId11"/>
-    <p:sldId id="359" r:id="rId12"/>
-    <p:sldId id="360" r:id="rId13"/>
+    <p:sldId id="377" r:id="rId11"/>
+    <p:sldId id="376" r:id="rId12"/>
+    <p:sldId id="359" r:id="rId13"/>
+    <p:sldId id="360" r:id="rId14"/>
   </p:sldIdLst>
   <p:sldSz cx="9144000" cy="6858000" type="screen4x3"/>
   <p:notesSz cx="6858000" cy="9144000"/>
@@ -148,6 +149,1983 @@
 </p:cmAuthorLst>
 </file>
 
+<file path=ppt/diagrams/colors1.xml><?xml version="1.0" encoding="utf-8"?>
+<dgm:colorsDef xmlns:dgm="http://schemas.openxmlformats.org/drawingml/2006/diagram" xmlns:a="http://schemas.openxmlformats.org/drawingml/2006/main" uniqueId="urn:microsoft.com/office/officeart/2005/8/colors/accent1_2">
+  <dgm:title val=""/>
+  <dgm:desc val=""/>
+  <dgm:catLst>
+    <dgm:cat type="accent1" pri="11200"/>
+  </dgm:catLst>
+  <dgm:styleLbl name="node0">
+    <dgm:fillClrLst meth="repeat">
+      <a:schemeClr val="accent1"/>
+    </dgm:fillClrLst>
+    <dgm:linClrLst meth="repeat">
+      <a:schemeClr val="lt1"/>
+    </dgm:linClrLst>
+    <dgm:effectClrLst/>
+    <dgm:txLinClrLst/>
+    <dgm:txFillClrLst/>
+    <dgm:txEffectClrLst/>
+  </dgm:styleLbl>
+  <dgm:styleLbl name="alignNode1">
+    <dgm:fillClrLst meth="repeat">
+      <a:schemeClr val="accent1"/>
+    </dgm:fillClrLst>
+    <dgm:linClrLst meth="repeat">
+      <a:schemeClr val="accent1"/>
+    </dgm:linClrLst>
+    <dgm:effectClrLst/>
+    <dgm:txLinClrLst/>
+    <dgm:txFillClrLst/>
+    <dgm:txEffectClrLst/>
+  </dgm:styleLbl>
+  <dgm:styleLbl name="node1">
+    <dgm:fillClrLst meth="repeat">
+      <a:schemeClr val="accent1"/>
+    </dgm:fillClrLst>
+    <dgm:linClrLst meth="repeat">
+      <a:schemeClr val="lt1"/>
+    </dgm:linClrLst>
+    <dgm:effectClrLst/>
+    <dgm:txLinClrLst/>
+    <dgm:txFillClrLst/>
+    <dgm:txEffectClrLst/>
+  </dgm:styleLbl>
+  <dgm:styleLbl name="lnNode1">
+    <dgm:fillClrLst meth="repeat">
+      <a:schemeClr val="accent1"/>
+    </dgm:fillClrLst>
+    <dgm:linClrLst meth="repeat">
+      <a:schemeClr val="lt1"/>
+    </dgm:linClrLst>
+    <dgm:effectClrLst/>
+    <dgm:txLinClrLst/>
+    <dgm:txFillClrLst/>
+    <dgm:txEffectClrLst/>
+  </dgm:styleLbl>
+  <dgm:styleLbl name="vennNode1">
+    <dgm:fillClrLst meth="repeat">
+      <a:schemeClr val="accent1">
+        <a:alpha val="50000"/>
+      </a:schemeClr>
+    </dgm:fillClrLst>
+    <dgm:linClrLst meth="repeat">
+      <a:schemeClr val="lt1"/>
+    </dgm:linClrLst>
+    <dgm:effectClrLst/>
+    <dgm:txLinClrLst/>
+    <dgm:txFillClrLst/>
+    <dgm:txEffectClrLst/>
+  </dgm:styleLbl>
+  <dgm:styleLbl name="node2">
+    <dgm:fillClrLst meth="repeat">
+      <a:schemeClr val="accent1"/>
+    </dgm:fillClrLst>
+    <dgm:linClrLst meth="repeat">
+      <a:schemeClr val="lt1"/>
+    </dgm:linClrLst>
+    <dgm:effectClrLst/>
+    <dgm:txLinClrLst/>
+    <dgm:txFillClrLst/>
+    <dgm:txEffectClrLst/>
+  </dgm:styleLbl>
+  <dgm:styleLbl name="node3">
+    <dgm:fillClrLst meth="repeat">
+      <a:schemeClr val="accent1"/>
+    </dgm:fillClrLst>
+    <dgm:linClrLst meth="repeat">
+      <a:schemeClr val="lt1"/>
+    </dgm:linClrLst>
+    <dgm:effectClrLst/>
+    <dgm:txLinClrLst/>
+    <dgm:txFillClrLst/>
+    <dgm:txEffectClrLst/>
+  </dgm:styleLbl>
+  <dgm:styleLbl name="node4">
+    <dgm:fillClrLst meth="repeat">
+      <a:schemeClr val="accent1"/>
+    </dgm:fillClrLst>
+    <dgm:linClrLst meth="repeat">
+      <a:schemeClr val="lt1"/>
+    </dgm:linClrLst>
+    <dgm:effectClrLst/>
+    <dgm:txLinClrLst/>
+    <dgm:txFillClrLst/>
+    <dgm:txEffectClrLst/>
+  </dgm:styleLbl>
+  <dgm:styleLbl name="fgImgPlace1">
+    <dgm:fillClrLst meth="repeat">
+      <a:schemeClr val="accent1">
+        <a:tint val="50000"/>
+      </a:schemeClr>
+    </dgm:fillClrLst>
+    <dgm:linClrLst meth="repeat">
+      <a:schemeClr val="lt1"/>
+    </dgm:linClrLst>
+    <dgm:effectClrLst/>
+    <dgm:txLinClrLst/>
+    <dgm:txFillClrLst meth="repeat">
+      <a:schemeClr val="lt1"/>
+    </dgm:txFillClrLst>
+    <dgm:txEffectClrLst/>
+  </dgm:styleLbl>
+  <dgm:styleLbl name="alignImgPlace1">
+    <dgm:fillClrLst meth="repeat">
+      <a:schemeClr val="accent1">
+        <a:tint val="50000"/>
+      </a:schemeClr>
+    </dgm:fillClrLst>
+    <dgm:linClrLst meth="repeat">
+      <a:schemeClr val="lt1"/>
+    </dgm:linClrLst>
+    <dgm:effectClrLst/>
+    <dgm:txLinClrLst/>
+    <dgm:txFillClrLst meth="repeat">
+      <a:schemeClr val="lt1"/>
+    </dgm:txFillClrLst>
+    <dgm:txEffectClrLst/>
+  </dgm:styleLbl>
+  <dgm:styleLbl name="bgImgPlace1">
+    <dgm:fillClrLst meth="repeat">
+      <a:schemeClr val="accent1">
+        <a:tint val="50000"/>
+      </a:schemeClr>
+    </dgm:fillClrLst>
+    <dgm:linClrLst meth="repeat">
+      <a:schemeClr val="lt1"/>
+    </dgm:linClrLst>
+    <dgm:effectClrLst/>
+    <dgm:txLinClrLst/>
+    <dgm:txFillClrLst meth="repeat">
+      <a:schemeClr val="lt1"/>
+    </dgm:txFillClrLst>
+    <dgm:txEffectClrLst/>
+  </dgm:styleLbl>
+  <dgm:styleLbl name="sibTrans2D1">
+    <dgm:fillClrLst meth="repeat">
+      <a:schemeClr val="accent1">
+        <a:tint val="60000"/>
+      </a:schemeClr>
+    </dgm:fillClrLst>
+    <dgm:linClrLst meth="repeat">
+      <a:schemeClr val="accent1">
+        <a:tint val="60000"/>
+      </a:schemeClr>
+    </dgm:linClrLst>
+    <dgm:effectClrLst/>
+    <dgm:txLinClrLst/>
+    <dgm:txFillClrLst/>
+    <dgm:txEffectClrLst/>
+  </dgm:styleLbl>
+  <dgm:styleLbl name="fgSibTrans2D1">
+    <dgm:fillClrLst meth="repeat">
+      <a:schemeClr val="accent1">
+        <a:tint val="60000"/>
+      </a:schemeClr>
+    </dgm:fillClrLst>
+    <dgm:linClrLst meth="repeat">
+      <a:schemeClr val="accent1">
+        <a:tint val="60000"/>
+      </a:schemeClr>
+    </dgm:linClrLst>
+    <dgm:effectClrLst/>
+    <dgm:txLinClrLst/>
+    <dgm:txFillClrLst/>
+    <dgm:txEffectClrLst/>
+  </dgm:styleLbl>
+  <dgm:styleLbl name="bgSibTrans2D1">
+    <dgm:fillClrLst meth="repeat">
+      <a:schemeClr val="accent1">
+        <a:tint val="60000"/>
+      </a:schemeClr>
+    </dgm:fillClrLst>
+    <dgm:linClrLst meth="repeat">
+      <a:schemeClr val="accent1">
+        <a:tint val="60000"/>
+      </a:schemeClr>
+    </dgm:linClrLst>
+    <dgm:effectClrLst/>
+    <dgm:txLinClrLst/>
+    <dgm:txFillClrLst/>
+    <dgm:txEffectClrLst/>
+  </dgm:styleLbl>
+  <dgm:styleLbl name="sibTrans1D1">
+    <dgm:fillClrLst meth="repeat">
+      <a:schemeClr val="accent1"/>
+    </dgm:fillClrLst>
+    <dgm:linClrLst meth="repeat">
+      <a:schemeClr val="accent1"/>
+    </dgm:linClrLst>
+    <dgm:effectClrLst/>
+    <dgm:txLinClrLst/>
+    <dgm:txFillClrLst meth="repeat">
+      <a:schemeClr val="tx1"/>
+    </dgm:txFillClrLst>
+    <dgm:txEffectClrLst/>
+  </dgm:styleLbl>
+  <dgm:styleLbl name="callout">
+    <dgm:fillClrLst meth="repeat">
+      <a:schemeClr val="accent1"/>
+    </dgm:fillClrLst>
+    <dgm:linClrLst meth="repeat">
+      <a:schemeClr val="accent1">
+        <a:tint val="50000"/>
+      </a:schemeClr>
+    </dgm:linClrLst>
+    <dgm:effectClrLst/>
+    <dgm:txLinClrLst/>
+    <dgm:txFillClrLst meth="repeat">
+      <a:schemeClr val="tx1"/>
+    </dgm:txFillClrLst>
+    <dgm:txEffectClrLst/>
+  </dgm:styleLbl>
+  <dgm:styleLbl name="asst0">
+    <dgm:fillClrLst meth="repeat">
+      <a:schemeClr val="accent1"/>
+    </dgm:fillClrLst>
+    <dgm:linClrLst meth="repeat">
+      <a:schemeClr val="lt1"/>
+    </dgm:linClrLst>
+    <dgm:effectClrLst/>
+    <dgm:txLinClrLst/>
+    <dgm:txFillClrLst/>
+    <dgm:txEffectClrLst/>
+  </dgm:styleLbl>
+  <dgm:styleLbl name="asst1">
+    <dgm:fillClrLst meth="repeat">
+      <a:schemeClr val="accent1"/>
+    </dgm:fillClrLst>
+    <dgm:linClrLst meth="repeat">
+      <a:schemeClr val="lt1"/>
+    </dgm:linClrLst>
+    <dgm:effectClrLst/>
+    <dgm:txLinClrLst/>
+    <dgm:txFillClrLst/>
+    <dgm:txEffectClrLst/>
+  </dgm:styleLbl>
+  <dgm:styleLbl name="asst2">
+    <dgm:fillClrLst meth="repeat">
+      <a:schemeClr val="accent1"/>
+    </dgm:fillClrLst>
+    <dgm:linClrLst meth="repeat">
+      <a:schemeClr val="lt1"/>
+    </dgm:linClrLst>
+    <dgm:effectClrLst/>
+    <dgm:txLinClrLst/>
+    <dgm:txFillClrLst/>
+    <dgm:txEffectClrLst/>
+  </dgm:styleLbl>
+  <dgm:styleLbl name="asst3">
+    <dgm:fillClrLst meth="repeat">
+      <a:schemeClr val="accent1"/>
+    </dgm:fillClrLst>
+    <dgm:linClrLst meth="repeat">
+      <a:schemeClr val="lt1"/>
+    </dgm:linClrLst>
+    <dgm:effectClrLst/>
+    <dgm:txLinClrLst/>
+    <dgm:txFillClrLst/>
+    <dgm:txEffectClrLst/>
+  </dgm:styleLbl>
+  <dgm:styleLbl name="asst4">
+    <dgm:fillClrLst meth="repeat">
+      <a:schemeClr val="accent1"/>
+    </dgm:fillClrLst>
+    <dgm:linClrLst meth="repeat">
+      <a:schemeClr val="lt1"/>
+    </dgm:linClrLst>
+    <dgm:effectClrLst/>
+    <dgm:txLinClrLst/>
+    <dgm:txFillClrLst/>
+    <dgm:txEffectClrLst/>
+  </dgm:styleLbl>
+  <dgm:styleLbl name="parChTrans2D1">
+    <dgm:fillClrLst meth="repeat">
+      <a:schemeClr val="accent1">
+        <a:tint val="60000"/>
+      </a:schemeClr>
+    </dgm:fillClrLst>
+    <dgm:linClrLst meth="repeat">
+      <a:schemeClr val="accent1">
+        <a:tint val="60000"/>
+      </a:schemeClr>
+    </dgm:linClrLst>
+    <dgm:effectClrLst/>
+    <dgm:txLinClrLst/>
+    <dgm:txFillClrLst meth="repeat">
+      <a:schemeClr val="lt1"/>
+    </dgm:txFillClrLst>
+    <dgm:txEffectClrLst/>
+  </dgm:styleLbl>
+  <dgm:styleLbl name="parChTrans2D2">
+    <dgm:fillClrLst meth="repeat">
+      <a:schemeClr val="accent1"/>
+    </dgm:fillClrLst>
+    <dgm:linClrLst meth="repeat">
+      <a:schemeClr val="accent1"/>
+    </dgm:linClrLst>
+    <dgm:effectClrLst/>
+    <dgm:txLinClrLst/>
+    <dgm:txFillClrLst meth="repeat">
+      <a:schemeClr val="lt1"/>
+    </dgm:txFillClrLst>
+    <dgm:txEffectClrLst/>
+  </dgm:styleLbl>
+  <dgm:styleLbl name="parChTrans2D3">
+    <dgm:fillClrLst meth="repeat">
+      <a:schemeClr val="accent1"/>
+    </dgm:fillClrLst>
+    <dgm:linClrLst meth="repeat">
+      <a:schemeClr val="accent1"/>
+    </dgm:linClrLst>
+    <dgm:effectClrLst/>
+    <dgm:txLinClrLst/>
+    <dgm:txFillClrLst meth="repeat">
+      <a:schemeClr val="lt1"/>
+    </dgm:txFillClrLst>
+    <dgm:txEffectClrLst/>
+  </dgm:styleLbl>
+  <dgm:styleLbl name="parChTrans2D4">
+    <dgm:fillClrLst meth="repeat">
+      <a:schemeClr val="accent1"/>
+    </dgm:fillClrLst>
+    <dgm:linClrLst meth="repeat">
+      <a:schemeClr val="accent1"/>
+    </dgm:linClrLst>
+    <dgm:effectClrLst/>
+    <dgm:txLinClrLst/>
+    <dgm:txFillClrLst meth="repeat">
+      <a:schemeClr val="lt1"/>
+    </dgm:txFillClrLst>
+    <dgm:txEffectClrLst/>
+  </dgm:styleLbl>
+  <dgm:styleLbl name="parChTrans1D1">
+    <dgm:fillClrLst meth="repeat">
+      <a:schemeClr val="accent1"/>
+    </dgm:fillClrLst>
+    <dgm:linClrLst meth="repeat">
+      <a:schemeClr val="accent1">
+        <a:shade val="60000"/>
+      </a:schemeClr>
+    </dgm:linClrLst>
+    <dgm:effectClrLst/>
+    <dgm:txLinClrLst/>
+    <dgm:txFillClrLst meth="repeat">
+      <a:schemeClr val="tx1"/>
+    </dgm:txFillClrLst>
+    <dgm:txEffectClrLst/>
+  </dgm:styleLbl>
+  <dgm:styleLbl name="parChTrans1D2">
+    <dgm:fillClrLst meth="repeat">
+      <a:schemeClr val="accent1"/>
+    </dgm:fillClrLst>
+    <dgm:linClrLst meth="repeat">
+      <a:schemeClr val="accent1">
+        <a:shade val="60000"/>
+      </a:schemeClr>
+    </dgm:linClrLst>
+    <dgm:effectClrLst/>
+    <dgm:txLinClrLst/>
+    <dgm:txFillClrLst meth="repeat">
+      <a:schemeClr val="tx1"/>
+    </dgm:txFillClrLst>
+    <dgm:txEffectClrLst/>
+  </dgm:styleLbl>
+  <dgm:styleLbl name="parChTrans1D3">
+    <dgm:fillClrLst meth="repeat">
+      <a:schemeClr val="accent1"/>
+    </dgm:fillClrLst>
+    <dgm:linClrLst meth="repeat">
+      <a:schemeClr val="accent1">
+        <a:shade val="80000"/>
+      </a:schemeClr>
+    </dgm:linClrLst>
+    <dgm:effectClrLst/>
+    <dgm:txLinClrLst/>
+    <dgm:txFillClrLst meth="repeat">
+      <a:schemeClr val="tx1"/>
+    </dgm:txFillClrLst>
+    <dgm:txEffectClrLst/>
+  </dgm:styleLbl>
+  <dgm:styleLbl name="parChTrans1D4">
+    <dgm:fillClrLst meth="repeat">
+      <a:schemeClr val="accent1"/>
+    </dgm:fillClrLst>
+    <dgm:linClrLst meth="repeat">
+      <a:schemeClr val="accent1">
+        <a:shade val="80000"/>
+      </a:schemeClr>
+    </dgm:linClrLst>
+    <dgm:effectClrLst/>
+    <dgm:txLinClrLst/>
+    <dgm:txFillClrLst meth="repeat">
+      <a:schemeClr val="tx1"/>
+    </dgm:txFillClrLst>
+    <dgm:txEffectClrLst/>
+  </dgm:styleLbl>
+  <dgm:styleLbl name="fgAcc1">
+    <dgm:fillClrLst meth="repeat">
+      <a:schemeClr val="lt1">
+        <a:alpha val="90000"/>
+      </a:schemeClr>
+    </dgm:fillClrLst>
+    <dgm:linClrLst meth="repeat">
+      <a:schemeClr val="accent1"/>
+    </dgm:linClrLst>
+    <dgm:effectClrLst/>
+    <dgm:txLinClrLst/>
+    <dgm:txFillClrLst meth="repeat">
+      <a:schemeClr val="dk1"/>
+    </dgm:txFillClrLst>
+    <dgm:txEffectClrLst/>
+  </dgm:styleLbl>
+  <dgm:styleLbl name="conFgAcc1">
+    <dgm:fillClrLst meth="repeat">
+      <a:schemeClr val="lt1">
+        <a:alpha val="90000"/>
+      </a:schemeClr>
+    </dgm:fillClrLst>
+    <dgm:linClrLst meth="repeat">
+      <a:schemeClr val="accent1"/>
+    </dgm:linClrLst>
+    <dgm:effectClrLst/>
+    <dgm:txLinClrLst/>
+    <dgm:txFillClrLst meth="repeat">
+      <a:schemeClr val="dk1"/>
+    </dgm:txFillClrLst>
+    <dgm:txEffectClrLst/>
+  </dgm:styleLbl>
+  <dgm:styleLbl name="alignAcc1">
+    <dgm:fillClrLst meth="repeat">
+      <a:schemeClr val="lt1">
+        <a:alpha val="90000"/>
+      </a:schemeClr>
+    </dgm:fillClrLst>
+    <dgm:linClrLst meth="repeat">
+      <a:schemeClr val="accent1"/>
+    </dgm:linClrLst>
+    <dgm:effectClrLst/>
+    <dgm:txLinClrLst/>
+    <dgm:txFillClrLst meth="repeat">
+      <a:schemeClr val="dk1"/>
+    </dgm:txFillClrLst>
+    <dgm:txEffectClrLst/>
+  </dgm:styleLbl>
+  <dgm:styleLbl name="trAlignAcc1">
+    <dgm:fillClrLst meth="repeat">
+      <a:schemeClr val="lt1">
+        <a:alpha val="40000"/>
+      </a:schemeClr>
+    </dgm:fillClrLst>
+    <dgm:linClrLst meth="repeat">
+      <a:schemeClr val="accent1"/>
+    </dgm:linClrLst>
+    <dgm:effectClrLst/>
+    <dgm:txLinClrLst/>
+    <dgm:txFillClrLst meth="repeat">
+      <a:schemeClr val="dk1"/>
+    </dgm:txFillClrLst>
+    <dgm:txEffectClrLst/>
+  </dgm:styleLbl>
+  <dgm:styleLbl name="bgAcc1">
+    <dgm:fillClrLst meth="repeat">
+      <a:schemeClr val="lt1">
+        <a:alpha val="90000"/>
+      </a:schemeClr>
+    </dgm:fillClrLst>
+    <dgm:linClrLst meth="repeat">
+      <a:schemeClr val="accent1"/>
+    </dgm:linClrLst>
+    <dgm:effectClrLst/>
+    <dgm:txLinClrLst/>
+    <dgm:txFillClrLst meth="repeat">
+      <a:schemeClr val="dk1"/>
+    </dgm:txFillClrLst>
+    <dgm:txEffectClrLst/>
+  </dgm:styleLbl>
+  <dgm:styleLbl name="solidFgAcc1">
+    <dgm:fillClrLst meth="repeat">
+      <a:schemeClr val="lt1"/>
+    </dgm:fillClrLst>
+    <dgm:linClrLst meth="repeat">
+      <a:schemeClr val="accent1"/>
+    </dgm:linClrLst>
+    <dgm:effectClrLst/>
+    <dgm:txLinClrLst/>
+    <dgm:txFillClrLst meth="repeat">
+      <a:schemeClr val="dk1"/>
+    </dgm:txFillClrLst>
+    <dgm:txEffectClrLst/>
+  </dgm:styleLbl>
+  <dgm:styleLbl name="solidAlignAcc1">
+    <dgm:fillClrLst meth="repeat">
+      <a:schemeClr val="lt1"/>
+    </dgm:fillClrLst>
+    <dgm:linClrLst meth="repeat">
+      <a:schemeClr val="accent1"/>
+    </dgm:linClrLst>
+    <dgm:effectClrLst/>
+    <dgm:txLinClrLst/>
+    <dgm:txFillClrLst meth="repeat">
+      <a:schemeClr val="dk1"/>
+    </dgm:txFillClrLst>
+    <dgm:txEffectClrLst/>
+  </dgm:styleLbl>
+  <dgm:styleLbl name="solidBgAcc1">
+    <dgm:fillClrLst meth="repeat">
+      <a:schemeClr val="lt1"/>
+    </dgm:fillClrLst>
+    <dgm:linClrLst meth="repeat">
+      <a:schemeClr val="accent1"/>
+    </dgm:linClrLst>
+    <dgm:effectClrLst/>
+    <dgm:txLinClrLst/>
+    <dgm:txFillClrLst meth="repeat">
+      <a:schemeClr val="dk1"/>
+    </dgm:txFillClrLst>
+    <dgm:txEffectClrLst/>
+  </dgm:styleLbl>
+  <dgm:styleLbl name="fgAccFollowNode1">
+    <dgm:fillClrLst meth="repeat">
+      <a:schemeClr val="accent1">
+        <a:alpha val="90000"/>
+        <a:tint val="40000"/>
+      </a:schemeClr>
+    </dgm:fillClrLst>
+    <dgm:linClrLst meth="repeat">
+      <a:schemeClr val="accent1">
+        <a:alpha val="90000"/>
+        <a:tint val="40000"/>
+      </a:schemeClr>
+    </dgm:linClrLst>
+    <dgm:effectClrLst/>
+    <dgm:txLinClrLst/>
+    <dgm:txFillClrLst meth="repeat">
+      <a:schemeClr val="dk1"/>
+    </dgm:txFillClrLst>
+    <dgm:txEffectClrLst/>
+  </dgm:styleLbl>
+  <dgm:styleLbl name="alignAccFollowNode1">
+    <dgm:fillClrLst meth="repeat">
+      <a:schemeClr val="accent1">
+        <a:alpha val="90000"/>
+        <a:tint val="40000"/>
+      </a:schemeClr>
+    </dgm:fillClrLst>
+    <dgm:linClrLst meth="repeat">
+      <a:schemeClr val="accent1">
+        <a:alpha val="90000"/>
+        <a:tint val="40000"/>
+      </a:schemeClr>
+    </dgm:linClrLst>
+    <dgm:effectClrLst/>
+    <dgm:txLinClrLst/>
+    <dgm:txFillClrLst meth="repeat">
+      <a:schemeClr val="dk1"/>
+    </dgm:txFillClrLst>
+    <dgm:txEffectClrLst/>
+  </dgm:styleLbl>
+  <dgm:styleLbl name="bgAccFollowNode1">
+    <dgm:fillClrLst meth="repeat">
+      <a:schemeClr val="accent1">
+        <a:alpha val="90000"/>
+        <a:tint val="40000"/>
+      </a:schemeClr>
+    </dgm:fillClrLst>
+    <dgm:linClrLst meth="repeat">
+      <a:schemeClr val="accent1">
+        <a:alpha val="90000"/>
+        <a:tint val="40000"/>
+      </a:schemeClr>
+    </dgm:linClrLst>
+    <dgm:effectClrLst/>
+    <dgm:txLinClrLst/>
+    <dgm:txFillClrLst meth="repeat">
+      <a:schemeClr val="dk1"/>
+    </dgm:txFillClrLst>
+    <dgm:txEffectClrLst/>
+  </dgm:styleLbl>
+  <dgm:styleLbl name="fgAcc0">
+    <dgm:fillClrLst meth="repeat">
+      <a:schemeClr val="lt1">
+        <a:alpha val="90000"/>
+      </a:schemeClr>
+    </dgm:fillClrLst>
+    <dgm:linClrLst meth="repeat">
+      <a:schemeClr val="accent1"/>
+    </dgm:linClrLst>
+    <dgm:effectClrLst/>
+    <dgm:txLinClrLst/>
+    <dgm:txFillClrLst meth="repeat">
+      <a:schemeClr val="dk1"/>
+    </dgm:txFillClrLst>
+    <dgm:txEffectClrLst/>
+  </dgm:styleLbl>
+  <dgm:styleLbl name="fgAcc2">
+    <dgm:fillClrLst meth="repeat">
+      <a:schemeClr val="lt1">
+        <a:alpha val="90000"/>
+      </a:schemeClr>
+    </dgm:fillClrLst>
+    <dgm:linClrLst meth="repeat">
+      <a:schemeClr val="accent1"/>
+    </dgm:linClrLst>
+    <dgm:effectClrLst/>
+    <dgm:txLinClrLst/>
+    <dgm:txFillClrLst meth="repeat">
+      <a:schemeClr val="dk1"/>
+    </dgm:txFillClrLst>
+    <dgm:txEffectClrLst/>
+  </dgm:styleLbl>
+  <dgm:styleLbl name="fgAcc3">
+    <dgm:fillClrLst meth="repeat">
+      <a:schemeClr val="lt1">
+        <a:alpha val="90000"/>
+      </a:schemeClr>
+    </dgm:fillClrLst>
+    <dgm:linClrLst meth="repeat">
+      <a:schemeClr val="accent1"/>
+    </dgm:linClrLst>
+    <dgm:effectClrLst/>
+    <dgm:txLinClrLst/>
+    <dgm:txFillClrLst meth="repeat">
+      <a:schemeClr val="dk1"/>
+    </dgm:txFillClrLst>
+    <dgm:txEffectClrLst/>
+  </dgm:styleLbl>
+  <dgm:styleLbl name="fgAcc4">
+    <dgm:fillClrLst meth="repeat">
+      <a:schemeClr val="lt1">
+        <a:alpha val="90000"/>
+      </a:schemeClr>
+    </dgm:fillClrLst>
+    <dgm:linClrLst meth="repeat">
+      <a:schemeClr val="accent1"/>
+    </dgm:linClrLst>
+    <dgm:effectClrLst/>
+    <dgm:txLinClrLst/>
+    <dgm:txFillClrLst meth="repeat">
+      <a:schemeClr val="dk1"/>
+    </dgm:txFillClrLst>
+    <dgm:txEffectClrLst/>
+  </dgm:styleLbl>
+  <dgm:styleLbl name="bgShp">
+    <dgm:fillClrLst meth="repeat">
+      <a:schemeClr val="accent1">
+        <a:tint val="40000"/>
+      </a:schemeClr>
+    </dgm:fillClrLst>
+    <dgm:linClrLst meth="repeat">
+      <a:schemeClr val="accent1"/>
+    </dgm:linClrLst>
+    <dgm:effectClrLst/>
+    <dgm:txLinClrLst/>
+    <dgm:txFillClrLst meth="repeat">
+      <a:schemeClr val="dk1"/>
+    </dgm:txFillClrLst>
+    <dgm:txEffectClrLst/>
+  </dgm:styleLbl>
+  <dgm:styleLbl name="dkBgShp">
+    <dgm:fillClrLst meth="repeat">
+      <a:schemeClr val="accent1">
+        <a:shade val="80000"/>
+      </a:schemeClr>
+    </dgm:fillClrLst>
+    <dgm:linClrLst meth="repeat">
+      <a:schemeClr val="accent1"/>
+    </dgm:linClrLst>
+    <dgm:effectClrLst/>
+    <dgm:txLinClrLst/>
+    <dgm:txFillClrLst meth="repeat">
+      <a:schemeClr val="lt1"/>
+    </dgm:txFillClrLst>
+    <dgm:txEffectClrLst/>
+  </dgm:styleLbl>
+  <dgm:styleLbl name="trBgShp">
+    <dgm:fillClrLst meth="repeat">
+      <a:schemeClr val="accent1">
+        <a:tint val="50000"/>
+        <a:alpha val="40000"/>
+      </a:schemeClr>
+    </dgm:fillClrLst>
+    <dgm:linClrLst meth="repeat">
+      <a:schemeClr val="accent1"/>
+    </dgm:linClrLst>
+    <dgm:effectClrLst/>
+    <dgm:txLinClrLst/>
+    <dgm:txFillClrLst meth="repeat">
+      <a:schemeClr val="lt1"/>
+    </dgm:txFillClrLst>
+    <dgm:txEffectClrLst/>
+  </dgm:styleLbl>
+  <dgm:styleLbl name="fgShp">
+    <dgm:fillClrLst meth="repeat">
+      <a:schemeClr val="accent1">
+        <a:tint val="60000"/>
+      </a:schemeClr>
+    </dgm:fillClrLst>
+    <dgm:linClrLst meth="repeat">
+      <a:schemeClr val="lt1"/>
+    </dgm:linClrLst>
+    <dgm:effectClrLst/>
+    <dgm:txLinClrLst/>
+    <dgm:txFillClrLst meth="repeat">
+      <a:schemeClr val="dk1"/>
+    </dgm:txFillClrLst>
+    <dgm:txEffectClrLst/>
+  </dgm:styleLbl>
+  <dgm:styleLbl name="revTx">
+    <dgm:fillClrLst meth="repeat">
+      <a:schemeClr val="lt1">
+        <a:alpha val="0"/>
+      </a:schemeClr>
+    </dgm:fillClrLst>
+    <dgm:linClrLst meth="repeat">
+      <a:schemeClr val="dk1">
+        <a:alpha val="0"/>
+      </a:schemeClr>
+    </dgm:linClrLst>
+    <dgm:effectClrLst/>
+    <dgm:txLinClrLst/>
+    <dgm:txFillClrLst meth="repeat">
+      <a:schemeClr val="tx1"/>
+    </dgm:txFillClrLst>
+    <dgm:txEffectClrLst/>
+  </dgm:styleLbl>
+</dgm:colorsDef>
+</file>
+
+<file path=ppt/diagrams/data1.xml><?xml version="1.0" encoding="utf-8"?>
+<dgm:dataModel xmlns:dgm="http://schemas.openxmlformats.org/drawingml/2006/diagram" xmlns:a="http://schemas.openxmlformats.org/drawingml/2006/main">
+  <dgm:ptLst>
+    <dgm:pt modelId="{7C35E2B6-4EA4-45ED-8C60-C3E514F1E22C}" type="doc">
+      <dgm:prSet loTypeId="urn:microsoft.com/office/officeart/2005/8/layout/default" loCatId="list" qsTypeId="urn:microsoft.com/office/officeart/2005/8/quickstyle/simple1" qsCatId="simple" csTypeId="urn:microsoft.com/office/officeart/2005/8/colors/accent1_2" csCatId="accent1" phldr="0"/>
+      <dgm:spPr/>
+      <dgm:t>
+        <a:bodyPr/>
+        <a:lstStyle/>
+        <a:p>
+          <a:endParaRPr lang="zh-TW" altLang="en-US"/>
+        </a:p>
+      </dgm:t>
+    </dgm:pt>
+    <dgm:pt modelId="{AF9C9359-8053-4DF9-8928-74CDA7D2C81B}" type="pres">
+      <dgm:prSet presAssocID="{7C35E2B6-4EA4-45ED-8C60-C3E514F1E22C}" presName="diagram" presStyleCnt="0">
+        <dgm:presLayoutVars>
+          <dgm:dir/>
+          <dgm:resizeHandles val="exact"/>
+        </dgm:presLayoutVars>
+      </dgm:prSet>
+      <dgm:spPr/>
+    </dgm:pt>
+  </dgm:ptLst>
+  <dgm:cxnLst>
+    <dgm:cxn modelId="{889C5CC3-A656-4ACB-AC7A-F9D33FF4D9C9}" type="presOf" srcId="{7C35E2B6-4EA4-45ED-8C60-C3E514F1E22C}" destId="{AF9C9359-8053-4DF9-8928-74CDA7D2C81B}" srcOrd="0" destOrd="0" presId="urn:microsoft.com/office/officeart/2005/8/layout/default"/>
+  </dgm:cxnLst>
+  <dgm:bg/>
+  <dgm:whole/>
+  <dgm:extLst>
+    <a:ext uri="http://schemas.microsoft.com/office/drawing/2008/diagram">
+      <dsp:dataModelExt xmlns:dsp="http://schemas.microsoft.com/office/drawing/2008/diagram" relId="rId6" minVer="http://schemas.openxmlformats.org/drawingml/2006/diagram"/>
+    </a:ext>
+  </dgm:extLst>
+</dgm:dataModel>
+</file>
+
+<file path=ppt/diagrams/drawing1.xml><?xml version="1.0" encoding="utf-8"?>
+<dsp:drawing xmlns:dgm="http://schemas.openxmlformats.org/drawingml/2006/diagram" xmlns:dsp="http://schemas.microsoft.com/office/drawing/2008/diagram" xmlns:a="http://schemas.openxmlformats.org/drawingml/2006/main">
+  <dsp:spTree>
+    <dsp:nvGrpSpPr>
+      <dsp:cNvPr id="0" name=""/>
+      <dsp:cNvGrpSpPr/>
+    </dsp:nvGrpSpPr>
+    <dsp:grpSpPr/>
+  </dsp:spTree>
+</dsp:drawing>
+</file>
+
+<file path=ppt/diagrams/layout1.xml><?xml version="1.0" encoding="utf-8"?>
+<dgm:layoutDef xmlns:dgm="http://schemas.openxmlformats.org/drawingml/2006/diagram" xmlns:a="http://schemas.openxmlformats.org/drawingml/2006/main" uniqueId="urn:microsoft.com/office/officeart/2005/8/layout/default">
+  <dgm:title val=""/>
+  <dgm:desc val=""/>
+  <dgm:catLst>
+    <dgm:cat type="list" pri="400"/>
+  </dgm:catLst>
+  <dgm:sampData>
+    <dgm:dataModel>
+      <dgm:ptLst>
+        <dgm:pt modelId="0" type="doc"/>
+        <dgm:pt modelId="1">
+          <dgm:prSet phldr="1"/>
+        </dgm:pt>
+        <dgm:pt modelId="2">
+          <dgm:prSet phldr="1"/>
+        </dgm:pt>
+        <dgm:pt modelId="3">
+          <dgm:prSet phldr="1"/>
+        </dgm:pt>
+        <dgm:pt modelId="4">
+          <dgm:prSet phldr="1"/>
+        </dgm:pt>
+        <dgm:pt modelId="5">
+          <dgm:prSet phldr="1"/>
+        </dgm:pt>
+      </dgm:ptLst>
+      <dgm:cxnLst>
+        <dgm:cxn modelId="6" srcId="0" destId="1" srcOrd="0" destOrd="0"/>
+        <dgm:cxn modelId="7" srcId="0" destId="2" srcOrd="1" destOrd="0"/>
+        <dgm:cxn modelId="8" srcId="0" destId="3" srcOrd="2" destOrd="0"/>
+        <dgm:cxn modelId="9" srcId="0" destId="4" srcOrd="3" destOrd="0"/>
+        <dgm:cxn modelId="10" srcId="0" destId="5" srcOrd="4" destOrd="0"/>
+      </dgm:cxnLst>
+      <dgm:bg/>
+      <dgm:whole/>
+    </dgm:dataModel>
+  </dgm:sampData>
+  <dgm:styleData>
+    <dgm:dataModel>
+      <dgm:ptLst>
+        <dgm:pt modelId="0" type="doc"/>
+        <dgm:pt modelId="1"/>
+        <dgm:pt modelId="2"/>
+      </dgm:ptLst>
+      <dgm:cxnLst>
+        <dgm:cxn modelId="3" srcId="0" destId="1" srcOrd="0" destOrd="0"/>
+        <dgm:cxn modelId="4" srcId="0" destId="2" srcOrd="1" destOrd="0"/>
+      </dgm:cxnLst>
+      <dgm:bg/>
+      <dgm:whole/>
+    </dgm:dataModel>
+  </dgm:styleData>
+  <dgm:clrData>
+    <dgm:dataModel>
+      <dgm:ptLst>
+        <dgm:pt modelId="0" type="doc"/>
+        <dgm:pt modelId="1"/>
+        <dgm:pt modelId="2"/>
+        <dgm:pt modelId="3"/>
+        <dgm:pt modelId="4"/>
+        <dgm:pt modelId="5"/>
+        <dgm:pt modelId="6"/>
+      </dgm:ptLst>
+      <dgm:cxnLst>
+        <dgm:cxn modelId="7" srcId="0" destId="1" srcOrd="0" destOrd="0"/>
+        <dgm:cxn modelId="8" srcId="0" destId="2" srcOrd="1" destOrd="0"/>
+        <dgm:cxn modelId="9" srcId="0" destId="3" srcOrd="2" destOrd="0"/>
+        <dgm:cxn modelId="10" srcId="0" destId="4" srcOrd="3" destOrd="0"/>
+        <dgm:cxn modelId="11" srcId="0" destId="5" srcOrd="4" destOrd="0"/>
+        <dgm:cxn modelId="12" srcId="0" destId="6" srcOrd="5" destOrd="0"/>
+      </dgm:cxnLst>
+      <dgm:bg/>
+      <dgm:whole/>
+    </dgm:dataModel>
+  </dgm:clrData>
+  <dgm:layoutNode name="diagram">
+    <dgm:varLst>
+      <dgm:dir/>
+      <dgm:resizeHandles val="exact"/>
+    </dgm:varLst>
+    <dgm:choose name="Name0">
+      <dgm:if name="Name1" func="var" arg="dir" op="equ" val="norm">
+        <dgm:alg type="snake">
+          <dgm:param type="grDir" val="tL"/>
+          <dgm:param type="flowDir" val="row"/>
+          <dgm:param type="contDir" val="sameDir"/>
+          <dgm:param type="off" val="ctr"/>
+        </dgm:alg>
+      </dgm:if>
+      <dgm:else name="Name2">
+        <dgm:alg type="snake">
+          <dgm:param type="grDir" val="tR"/>
+          <dgm:param type="flowDir" val="row"/>
+          <dgm:param type="contDir" val="sameDir"/>
+          <dgm:param type="off" val="ctr"/>
+        </dgm:alg>
+      </dgm:else>
+    </dgm:choose>
+    <dgm:shape xmlns:r="http://schemas.openxmlformats.org/officeDocument/2006/relationships" r:blip="">
+      <dgm:adjLst/>
+    </dgm:shape>
+    <dgm:presOf/>
+    <dgm:constrLst>
+      <dgm:constr type="w" for="ch" forName="node" refType="w"/>
+      <dgm:constr type="h" for="ch" forName="node" refType="w" refFor="ch" refForName="node" fact="0.6"/>
+      <dgm:constr type="w" for="ch" forName="sibTrans" refType="w" refFor="ch" refForName="node" fact="0.1"/>
+      <dgm:constr type="sp" refType="w" refFor="ch" refForName="sibTrans"/>
+      <dgm:constr type="primFontSz" for="ch" forName="node" op="equ" val="65"/>
+    </dgm:constrLst>
+    <dgm:ruleLst/>
+    <dgm:forEach name="Name3" axis="ch" ptType="node">
+      <dgm:layoutNode name="node">
+        <dgm:varLst>
+          <dgm:bulletEnabled val="1"/>
+        </dgm:varLst>
+        <dgm:alg type="tx"/>
+        <dgm:shape xmlns:r="http://schemas.openxmlformats.org/officeDocument/2006/relationships" type="rect" r:blip="">
+          <dgm:adjLst/>
+        </dgm:shape>
+        <dgm:presOf axis="desOrSelf" ptType="node"/>
+        <dgm:constrLst>
+          <dgm:constr type="lMarg" refType="primFontSz" fact="0.3"/>
+          <dgm:constr type="rMarg" refType="primFontSz" fact="0.3"/>
+          <dgm:constr type="tMarg" refType="primFontSz" fact="0.3"/>
+          <dgm:constr type="bMarg" refType="primFontSz" fact="0.3"/>
+        </dgm:constrLst>
+        <dgm:ruleLst>
+          <dgm:rule type="primFontSz" val="5" fact="NaN" max="NaN"/>
+        </dgm:ruleLst>
+      </dgm:layoutNode>
+      <dgm:forEach name="Name4" axis="followSib" ptType="sibTrans" cnt="1">
+        <dgm:layoutNode name="sibTrans">
+          <dgm:alg type="sp"/>
+          <dgm:shape xmlns:r="http://schemas.openxmlformats.org/officeDocument/2006/relationships" r:blip="">
+            <dgm:adjLst/>
+          </dgm:shape>
+          <dgm:presOf/>
+          <dgm:constrLst/>
+          <dgm:ruleLst/>
+        </dgm:layoutNode>
+      </dgm:forEach>
+    </dgm:forEach>
+  </dgm:layoutNode>
+</dgm:layoutDef>
+</file>
+
+<file path=ppt/diagrams/quickStyle1.xml><?xml version="1.0" encoding="utf-8"?>
+<dgm:styleDef xmlns:dgm="http://schemas.openxmlformats.org/drawingml/2006/diagram" xmlns:a="http://schemas.openxmlformats.org/drawingml/2006/main" uniqueId="urn:microsoft.com/office/officeart/2005/8/quickstyle/simple1">
+  <dgm:title val=""/>
+  <dgm:desc val=""/>
+  <dgm:catLst>
+    <dgm:cat type="simple" pri="10100"/>
+  </dgm:catLst>
+  <dgm:scene3d>
+    <a:camera prst="orthographicFront"/>
+    <a:lightRig rig="threePt" dir="t"/>
+  </dgm:scene3d>
+  <dgm:styleLbl name="node0">
+    <dgm:scene3d>
+      <a:camera prst="orthographicFront"/>
+      <a:lightRig rig="threePt" dir="t"/>
+    </dgm:scene3d>
+    <dgm:sp3d/>
+    <dgm:txPr/>
+    <dgm:style>
+      <a:lnRef idx="2">
+        <a:scrgbClr r="0" g="0" b="0"/>
+      </a:lnRef>
+      <a:fillRef idx="1">
+        <a:scrgbClr r="0" g="0" b="0"/>
+      </a:fillRef>
+      <a:effectRef idx="0">
+        <a:scrgbClr r="0" g="0" b="0"/>
+      </a:effectRef>
+      <a:fontRef idx="minor">
+        <a:schemeClr val="lt1"/>
+      </a:fontRef>
+    </dgm:style>
+  </dgm:styleLbl>
+  <dgm:styleLbl name="lnNode1">
+    <dgm:scene3d>
+      <a:camera prst="orthographicFront"/>
+      <a:lightRig rig="threePt" dir="t"/>
+    </dgm:scene3d>
+    <dgm:sp3d/>
+    <dgm:txPr/>
+    <dgm:style>
+      <a:lnRef idx="2">
+        <a:scrgbClr r="0" g="0" b="0"/>
+      </a:lnRef>
+      <a:fillRef idx="1">
+        <a:scrgbClr r="0" g="0" b="0"/>
+      </a:fillRef>
+      <a:effectRef idx="0">
+        <a:scrgbClr r="0" g="0" b="0"/>
+      </a:effectRef>
+      <a:fontRef idx="minor">
+        <a:schemeClr val="lt1"/>
+      </a:fontRef>
+    </dgm:style>
+  </dgm:styleLbl>
+  <dgm:styleLbl name="vennNode1">
+    <dgm:scene3d>
+      <a:camera prst="orthographicFront"/>
+      <a:lightRig rig="threePt" dir="t"/>
+    </dgm:scene3d>
+    <dgm:sp3d/>
+    <dgm:txPr/>
+    <dgm:style>
+      <a:lnRef idx="2">
+        <a:scrgbClr r="0" g="0" b="0"/>
+      </a:lnRef>
+      <a:fillRef idx="1">
+        <a:scrgbClr r="0" g="0" b="0"/>
+      </a:fillRef>
+      <a:effectRef idx="0">
+        <a:scrgbClr r="0" g="0" b="0"/>
+      </a:effectRef>
+      <a:fontRef idx="minor">
+        <a:schemeClr val="tx1"/>
+      </a:fontRef>
+    </dgm:style>
+  </dgm:styleLbl>
+  <dgm:styleLbl name="alignNode1">
+    <dgm:scene3d>
+      <a:camera prst="orthographicFront"/>
+      <a:lightRig rig="threePt" dir="t"/>
+    </dgm:scene3d>
+    <dgm:sp3d/>
+    <dgm:txPr/>
+    <dgm:style>
+      <a:lnRef idx="2">
+        <a:scrgbClr r="0" g="0" b="0"/>
+      </a:lnRef>
+      <a:fillRef idx="1">
+        <a:scrgbClr r="0" g="0" b="0"/>
+      </a:fillRef>
+      <a:effectRef idx="0">
+        <a:scrgbClr r="0" g="0" b="0"/>
+      </a:effectRef>
+      <a:fontRef idx="minor">
+        <a:schemeClr val="lt1"/>
+      </a:fontRef>
+    </dgm:style>
+  </dgm:styleLbl>
+  <dgm:styleLbl name="node1">
+    <dgm:scene3d>
+      <a:camera prst="orthographicFront"/>
+      <a:lightRig rig="threePt" dir="t"/>
+    </dgm:scene3d>
+    <dgm:sp3d/>
+    <dgm:txPr/>
+    <dgm:style>
+      <a:lnRef idx="2">
+        <a:scrgbClr r="0" g="0" b="0"/>
+      </a:lnRef>
+      <a:fillRef idx="1">
+        <a:scrgbClr r="0" g="0" b="0"/>
+      </a:fillRef>
+      <a:effectRef idx="0">
+        <a:scrgbClr r="0" g="0" b="0"/>
+      </a:effectRef>
+      <a:fontRef idx="minor">
+        <a:schemeClr val="lt1"/>
+      </a:fontRef>
+    </dgm:style>
+  </dgm:styleLbl>
+  <dgm:styleLbl name="node2">
+    <dgm:scene3d>
+      <a:camera prst="orthographicFront"/>
+      <a:lightRig rig="threePt" dir="t"/>
+    </dgm:scene3d>
+    <dgm:sp3d/>
+    <dgm:txPr/>
+    <dgm:style>
+      <a:lnRef idx="2">
+        <a:scrgbClr r="0" g="0" b="0"/>
+      </a:lnRef>
+      <a:fillRef idx="1">
+        <a:scrgbClr r="0" g="0" b="0"/>
+      </a:fillRef>
+      <a:effectRef idx="0">
+        <a:scrgbClr r="0" g="0" b="0"/>
+      </a:effectRef>
+      <a:fontRef idx="minor">
+        <a:schemeClr val="lt1"/>
+      </a:fontRef>
+    </dgm:style>
+  </dgm:styleLbl>
+  <dgm:styleLbl name="node3">
+    <dgm:scene3d>
+      <a:camera prst="orthographicFront"/>
+      <a:lightRig rig="threePt" dir="t"/>
+    </dgm:scene3d>
+    <dgm:sp3d/>
+    <dgm:txPr/>
+    <dgm:style>
+      <a:lnRef idx="2">
+        <a:scrgbClr r="0" g="0" b="0"/>
+      </a:lnRef>
+      <a:fillRef idx="1">
+        <a:scrgbClr r="0" g="0" b="0"/>
+      </a:fillRef>
+      <a:effectRef idx="0">
+        <a:scrgbClr r="0" g="0" b="0"/>
+      </a:effectRef>
+      <a:fontRef idx="minor">
+        <a:schemeClr val="lt1"/>
+      </a:fontRef>
+    </dgm:style>
+  </dgm:styleLbl>
+  <dgm:styleLbl name="node4">
+    <dgm:scene3d>
+      <a:camera prst="orthographicFront"/>
+      <a:lightRig rig="threePt" dir="t"/>
+    </dgm:scene3d>
+    <dgm:sp3d/>
+    <dgm:txPr/>
+    <dgm:style>
+      <a:lnRef idx="2">
+        <a:scrgbClr r="0" g="0" b="0"/>
+      </a:lnRef>
+      <a:fillRef idx="1">
+        <a:scrgbClr r="0" g="0" b="0"/>
+      </a:fillRef>
+      <a:effectRef idx="0">
+        <a:scrgbClr r="0" g="0" b="0"/>
+      </a:effectRef>
+      <a:fontRef idx="minor">
+        <a:schemeClr val="lt1"/>
+      </a:fontRef>
+    </dgm:style>
+  </dgm:styleLbl>
+  <dgm:styleLbl name="fgImgPlace1">
+    <dgm:scene3d>
+      <a:camera prst="orthographicFront"/>
+      <a:lightRig rig="threePt" dir="t"/>
+    </dgm:scene3d>
+    <dgm:sp3d/>
+    <dgm:txPr/>
+    <dgm:style>
+      <a:lnRef idx="2">
+        <a:scrgbClr r="0" g="0" b="0"/>
+      </a:lnRef>
+      <a:fillRef idx="1">
+        <a:scrgbClr r="0" g="0" b="0"/>
+      </a:fillRef>
+      <a:effectRef idx="0">
+        <a:scrgbClr r="0" g="0" b="0"/>
+      </a:effectRef>
+      <a:fontRef idx="minor"/>
+    </dgm:style>
+  </dgm:styleLbl>
+  <dgm:styleLbl name="alignImgPlace1">
+    <dgm:scene3d>
+      <a:camera prst="orthographicFront"/>
+      <a:lightRig rig="threePt" dir="t"/>
+    </dgm:scene3d>
+    <dgm:sp3d/>
+    <dgm:txPr/>
+    <dgm:style>
+      <a:lnRef idx="2">
+        <a:scrgbClr r="0" g="0" b="0"/>
+      </a:lnRef>
+      <a:fillRef idx="1">
+        <a:scrgbClr r="0" g="0" b="0"/>
+      </a:fillRef>
+      <a:effectRef idx="0">
+        <a:scrgbClr r="0" g="0" b="0"/>
+      </a:effectRef>
+      <a:fontRef idx="minor"/>
+    </dgm:style>
+  </dgm:styleLbl>
+  <dgm:styleLbl name="bgImgPlace1">
+    <dgm:scene3d>
+      <a:camera prst="orthographicFront"/>
+      <a:lightRig rig="threePt" dir="t"/>
+    </dgm:scene3d>
+    <dgm:sp3d/>
+    <dgm:txPr/>
+    <dgm:style>
+      <a:lnRef idx="2">
+        <a:scrgbClr r="0" g="0" b="0"/>
+      </a:lnRef>
+      <a:fillRef idx="1">
+        <a:scrgbClr r="0" g="0" b="0"/>
+      </a:fillRef>
+      <a:effectRef idx="0">
+        <a:scrgbClr r="0" g="0" b="0"/>
+      </a:effectRef>
+      <a:fontRef idx="minor"/>
+    </dgm:style>
+  </dgm:styleLbl>
+  <dgm:styleLbl name="sibTrans2D1">
+    <dgm:scene3d>
+      <a:camera prst="orthographicFront"/>
+      <a:lightRig rig="threePt" dir="t"/>
+    </dgm:scene3d>
+    <dgm:sp3d/>
+    <dgm:txPr/>
+    <dgm:style>
+      <a:lnRef idx="0">
+        <a:scrgbClr r="0" g="0" b="0"/>
+      </a:lnRef>
+      <a:fillRef idx="1">
+        <a:scrgbClr r="0" g="0" b="0"/>
+      </a:fillRef>
+      <a:effectRef idx="0">
+        <a:scrgbClr r="0" g="0" b="0"/>
+      </a:effectRef>
+      <a:fontRef idx="minor">
+        <a:schemeClr val="lt1"/>
+      </a:fontRef>
+    </dgm:style>
+  </dgm:styleLbl>
+  <dgm:styleLbl name="fgSibTrans2D1">
+    <dgm:scene3d>
+      <a:camera prst="orthographicFront"/>
+      <a:lightRig rig="threePt" dir="t"/>
+    </dgm:scene3d>
+    <dgm:sp3d/>
+    <dgm:txPr/>
+    <dgm:style>
+      <a:lnRef idx="0">
+        <a:scrgbClr r="0" g="0" b="0"/>
+      </a:lnRef>
+      <a:fillRef idx="1">
+        <a:scrgbClr r="0" g="0" b="0"/>
+      </a:fillRef>
+      <a:effectRef idx="0">
+        <a:scrgbClr r="0" g="0" b="0"/>
+      </a:effectRef>
+      <a:fontRef idx="minor">
+        <a:schemeClr val="lt1"/>
+      </a:fontRef>
+    </dgm:style>
+  </dgm:styleLbl>
+  <dgm:styleLbl name="bgSibTrans2D1">
+    <dgm:scene3d>
+      <a:camera prst="orthographicFront"/>
+      <a:lightRig rig="threePt" dir="t"/>
+    </dgm:scene3d>
+    <dgm:sp3d/>
+    <dgm:txPr/>
+    <dgm:style>
+      <a:lnRef idx="0">
+        <a:scrgbClr r="0" g="0" b="0"/>
+      </a:lnRef>
+      <a:fillRef idx="1">
+        <a:scrgbClr r="0" g="0" b="0"/>
+      </a:fillRef>
+      <a:effectRef idx="0">
+        <a:scrgbClr r="0" g="0" b="0"/>
+      </a:effectRef>
+      <a:fontRef idx="minor">
+        <a:schemeClr val="lt1"/>
+      </a:fontRef>
+    </dgm:style>
+  </dgm:styleLbl>
+  <dgm:styleLbl name="sibTrans1D1">
+    <dgm:scene3d>
+      <a:camera prst="orthographicFront"/>
+      <a:lightRig rig="threePt" dir="t"/>
+    </dgm:scene3d>
+    <dgm:sp3d/>
+    <dgm:txPr/>
+    <dgm:style>
+      <a:lnRef idx="1">
+        <a:scrgbClr r="0" g="0" b="0"/>
+      </a:lnRef>
+      <a:fillRef idx="0">
+        <a:scrgbClr r="0" g="0" b="0"/>
+      </a:fillRef>
+      <a:effectRef idx="0">
+        <a:scrgbClr r="0" g="0" b="0"/>
+      </a:effectRef>
+      <a:fontRef idx="minor"/>
+    </dgm:style>
+  </dgm:styleLbl>
+  <dgm:styleLbl name="callout">
+    <dgm:scene3d>
+      <a:camera prst="orthographicFront"/>
+      <a:lightRig rig="threePt" dir="t"/>
+    </dgm:scene3d>
+    <dgm:sp3d/>
+    <dgm:txPr/>
+    <dgm:style>
+      <a:lnRef idx="2">
+        <a:scrgbClr r="0" g="0" b="0"/>
+      </a:lnRef>
+      <a:fillRef idx="1">
+        <a:scrgbClr r="0" g="0" b="0"/>
+      </a:fillRef>
+      <a:effectRef idx="0">
+        <a:scrgbClr r="0" g="0" b="0"/>
+      </a:effectRef>
+      <a:fontRef idx="minor"/>
+    </dgm:style>
+  </dgm:styleLbl>
+  <dgm:styleLbl name="asst0">
+    <dgm:scene3d>
+      <a:camera prst="orthographicFront"/>
+      <a:lightRig rig="threePt" dir="t"/>
+    </dgm:scene3d>
+    <dgm:sp3d/>
+    <dgm:txPr/>
+    <dgm:style>
+      <a:lnRef idx="2">
+        <a:scrgbClr r="0" g="0" b="0"/>
+      </a:lnRef>
+      <a:fillRef idx="1">
+        <a:scrgbClr r="0" g="0" b="0"/>
+      </a:fillRef>
+      <a:effectRef idx="0">
+        <a:scrgbClr r="0" g="0" b="0"/>
+      </a:effectRef>
+      <a:fontRef idx="minor">
+        <a:schemeClr val="lt1"/>
+      </a:fontRef>
+    </dgm:style>
+  </dgm:styleLbl>
+  <dgm:styleLbl name="asst1">
+    <dgm:scene3d>
+      <a:camera prst="orthographicFront"/>
+      <a:lightRig rig="threePt" dir="t"/>
+    </dgm:scene3d>
+    <dgm:sp3d/>
+    <dgm:txPr/>
+    <dgm:style>
+      <a:lnRef idx="2">
+        <a:scrgbClr r="0" g="0" b="0"/>
+      </a:lnRef>
+      <a:fillRef idx="1">
+        <a:scrgbClr r="0" g="0" b="0"/>
+      </a:fillRef>
+      <a:effectRef idx="0">
+        <a:scrgbClr r="0" g="0" b="0"/>
+      </a:effectRef>
+      <a:fontRef idx="minor">
+        <a:schemeClr val="lt1"/>
+      </a:fontRef>
+    </dgm:style>
+  </dgm:styleLbl>
+  <dgm:styleLbl name="asst2">
+    <dgm:scene3d>
+      <a:camera prst="orthographicFront"/>
+      <a:lightRig rig="threePt" dir="t"/>
+    </dgm:scene3d>
+    <dgm:sp3d/>
+    <dgm:txPr/>
+    <dgm:style>
+      <a:lnRef idx="2">
+        <a:scrgbClr r="0" g="0" b="0"/>
+      </a:lnRef>
+      <a:fillRef idx="1">
+        <a:scrgbClr r="0" g="0" b="0"/>
+      </a:fillRef>
+      <a:effectRef idx="0">
+        <a:scrgbClr r="0" g="0" b="0"/>
+      </a:effectRef>
+      <a:fontRef idx="minor">
+        <a:schemeClr val="lt1"/>
+      </a:fontRef>
+    </dgm:style>
+  </dgm:styleLbl>
+  <dgm:styleLbl name="asst3">
+    <dgm:scene3d>
+      <a:camera prst="orthographicFront"/>
+      <a:lightRig rig="threePt" dir="t"/>
+    </dgm:scene3d>
+    <dgm:sp3d/>
+    <dgm:txPr/>
+    <dgm:style>
+      <a:lnRef idx="2">
+        <a:scrgbClr r="0" g="0" b="0"/>
+      </a:lnRef>
+      <a:fillRef idx="1">
+        <a:scrgbClr r="0" g="0" b="0"/>
+      </a:fillRef>
+      <a:effectRef idx="0">
+        <a:scrgbClr r="0" g="0" b="0"/>
+      </a:effectRef>
+      <a:fontRef idx="minor">
+        <a:schemeClr val="lt1"/>
+      </a:fontRef>
+    </dgm:style>
+  </dgm:styleLbl>
+  <dgm:styleLbl name="asst4">
+    <dgm:scene3d>
+      <a:camera prst="orthographicFront"/>
+      <a:lightRig rig="threePt" dir="t"/>
+    </dgm:scene3d>
+    <dgm:sp3d/>
+    <dgm:txPr/>
+    <dgm:style>
+      <a:lnRef idx="2">
+        <a:scrgbClr r="0" g="0" b="0"/>
+      </a:lnRef>
+      <a:fillRef idx="1">
+        <a:scrgbClr r="0" g="0" b="0"/>
+      </a:fillRef>
+      <a:effectRef idx="0">
+        <a:scrgbClr r="0" g="0" b="0"/>
+      </a:effectRef>
+      <a:fontRef idx="minor">
+        <a:schemeClr val="lt1"/>
+      </a:fontRef>
+    </dgm:style>
+  </dgm:styleLbl>
+  <dgm:styleLbl name="parChTrans2D1">
+    <dgm:scene3d>
+      <a:camera prst="orthographicFront"/>
+      <a:lightRig rig="threePt" dir="t"/>
+    </dgm:scene3d>
+    <dgm:sp3d/>
+    <dgm:txPr/>
+    <dgm:style>
+      <a:lnRef idx="2">
+        <a:scrgbClr r="0" g="0" b="0"/>
+      </a:lnRef>
+      <a:fillRef idx="1">
+        <a:scrgbClr r="0" g="0" b="0"/>
+      </a:fillRef>
+      <a:effectRef idx="0">
+        <a:scrgbClr r="0" g="0" b="0"/>
+      </a:effectRef>
+      <a:fontRef idx="minor">
+        <a:schemeClr val="lt1"/>
+      </a:fontRef>
+    </dgm:style>
+  </dgm:styleLbl>
+  <dgm:styleLbl name="parChTrans2D2">
+    <dgm:scene3d>
+      <a:camera prst="orthographicFront"/>
+      <a:lightRig rig="threePt" dir="t"/>
+    </dgm:scene3d>
+    <dgm:sp3d/>
+    <dgm:txPr/>
+    <dgm:style>
+      <a:lnRef idx="2">
+        <a:scrgbClr r="0" g="0" b="0"/>
+      </a:lnRef>
+      <a:fillRef idx="1">
+        <a:scrgbClr r="0" g="0" b="0"/>
+      </a:fillRef>
+      <a:effectRef idx="0">
+        <a:scrgbClr r="0" g="0" b="0"/>
+      </a:effectRef>
+      <a:fontRef idx="minor">
+        <a:schemeClr val="lt1"/>
+      </a:fontRef>
+    </dgm:style>
+  </dgm:styleLbl>
+  <dgm:styleLbl name="parChTrans2D3">
+    <dgm:scene3d>
+      <a:camera prst="orthographicFront"/>
+      <a:lightRig rig="threePt" dir="t"/>
+    </dgm:scene3d>
+    <dgm:sp3d/>
+    <dgm:txPr/>
+    <dgm:style>
+      <a:lnRef idx="2">
+        <a:scrgbClr r="0" g="0" b="0"/>
+      </a:lnRef>
+      <a:fillRef idx="1">
+        <a:scrgbClr r="0" g="0" b="0"/>
+      </a:fillRef>
+      <a:effectRef idx="0">
+        <a:scrgbClr r="0" g="0" b="0"/>
+      </a:effectRef>
+      <a:fontRef idx="minor">
+        <a:schemeClr val="lt1"/>
+      </a:fontRef>
+    </dgm:style>
+  </dgm:styleLbl>
+  <dgm:styleLbl name="parChTrans2D4">
+    <dgm:scene3d>
+      <a:camera prst="orthographicFront"/>
+      <a:lightRig rig="threePt" dir="t"/>
+    </dgm:scene3d>
+    <dgm:sp3d/>
+    <dgm:txPr/>
+    <dgm:style>
+      <a:lnRef idx="2">
+        <a:scrgbClr r="0" g="0" b="0"/>
+      </a:lnRef>
+      <a:fillRef idx="1">
+        <a:scrgbClr r="0" g="0" b="0"/>
+      </a:fillRef>
+      <a:effectRef idx="0">
+        <a:scrgbClr r="0" g="0" b="0"/>
+      </a:effectRef>
+      <a:fontRef idx="minor">
+        <a:schemeClr val="lt1"/>
+      </a:fontRef>
+    </dgm:style>
+  </dgm:styleLbl>
+  <dgm:styleLbl name="parChTrans1D1">
+    <dgm:scene3d>
+      <a:camera prst="orthographicFront"/>
+      <a:lightRig rig="threePt" dir="t"/>
+    </dgm:scene3d>
+    <dgm:sp3d/>
+    <dgm:txPr/>
+    <dgm:style>
+      <a:lnRef idx="2">
+        <a:scrgbClr r="0" g="0" b="0"/>
+      </a:lnRef>
+      <a:fillRef idx="0">
+        <a:scrgbClr r="0" g="0" b="0"/>
+      </a:fillRef>
+      <a:effectRef idx="0">
+        <a:scrgbClr r="0" g="0" b="0"/>
+      </a:effectRef>
+      <a:fontRef idx="minor"/>
+    </dgm:style>
+  </dgm:styleLbl>
+  <dgm:styleLbl name="parChTrans1D2">
+    <dgm:scene3d>
+      <a:camera prst="orthographicFront"/>
+      <a:lightRig rig="threePt" dir="t"/>
+    </dgm:scene3d>
+    <dgm:sp3d/>
+    <dgm:txPr/>
+    <dgm:style>
+      <a:lnRef idx="2">
+        <a:scrgbClr r="0" g="0" b="0"/>
+      </a:lnRef>
+      <a:fillRef idx="0">
+        <a:scrgbClr r="0" g="0" b="0"/>
+      </a:fillRef>
+      <a:effectRef idx="0">
+        <a:scrgbClr r="0" g="0" b="0"/>
+      </a:effectRef>
+      <a:fontRef idx="minor"/>
+    </dgm:style>
+  </dgm:styleLbl>
+  <dgm:styleLbl name="parChTrans1D3">
+    <dgm:scene3d>
+      <a:camera prst="orthographicFront"/>
+      <a:lightRig rig="threePt" dir="t"/>
+    </dgm:scene3d>
+    <dgm:sp3d/>
+    <dgm:txPr/>
+    <dgm:style>
+      <a:lnRef idx="2">
+        <a:scrgbClr r="0" g="0" b="0"/>
+      </a:lnRef>
+      <a:fillRef idx="0">
+        <a:scrgbClr r="0" g="0" b="0"/>
+      </a:fillRef>
+      <a:effectRef idx="0">
+        <a:scrgbClr r="0" g="0" b="0"/>
+      </a:effectRef>
+      <a:fontRef idx="minor"/>
+    </dgm:style>
+  </dgm:styleLbl>
+  <dgm:styleLbl name="parChTrans1D4">
+    <dgm:scene3d>
+      <a:camera prst="orthographicFront"/>
+      <a:lightRig rig="threePt" dir="t"/>
+    </dgm:scene3d>
+    <dgm:sp3d/>
+    <dgm:txPr/>
+    <dgm:style>
+      <a:lnRef idx="2">
+        <a:scrgbClr r="0" g="0" b="0"/>
+      </a:lnRef>
+      <a:fillRef idx="0">
+        <a:scrgbClr r="0" g="0" b="0"/>
+      </a:fillRef>
+      <a:effectRef idx="0">
+        <a:scrgbClr r="0" g="0" b="0"/>
+      </a:effectRef>
+      <a:fontRef idx="minor"/>
+    </dgm:style>
+  </dgm:styleLbl>
+  <dgm:styleLbl name="fgAcc1">
+    <dgm:scene3d>
+      <a:camera prst="orthographicFront"/>
+      <a:lightRig rig="threePt" dir="t"/>
+    </dgm:scene3d>
+    <dgm:sp3d/>
+    <dgm:txPr/>
+    <dgm:style>
+      <a:lnRef idx="2">
+        <a:scrgbClr r="0" g="0" b="0"/>
+      </a:lnRef>
+      <a:fillRef idx="1">
+        <a:scrgbClr r="0" g="0" b="0"/>
+      </a:fillRef>
+      <a:effectRef idx="0">
+        <a:scrgbClr r="0" g="0" b="0"/>
+      </a:effectRef>
+      <a:fontRef idx="minor"/>
+    </dgm:style>
+  </dgm:styleLbl>
+  <dgm:styleLbl name="conFgAcc1">
+    <dgm:scene3d>
+      <a:camera prst="orthographicFront"/>
+      <a:lightRig rig="threePt" dir="t"/>
+    </dgm:scene3d>
+    <dgm:sp3d/>
+    <dgm:txPr/>
+    <dgm:style>
+      <a:lnRef idx="2">
+        <a:scrgbClr r="0" g="0" b="0"/>
+      </a:lnRef>
+      <a:fillRef idx="1">
+        <a:scrgbClr r="0" g="0" b="0"/>
+      </a:fillRef>
+      <a:effectRef idx="0">
+        <a:scrgbClr r="0" g="0" b="0"/>
+      </a:effectRef>
+      <a:fontRef idx="minor"/>
+    </dgm:style>
+  </dgm:styleLbl>
+  <dgm:styleLbl name="alignAcc1">
+    <dgm:scene3d>
+      <a:camera prst="orthographicFront"/>
+      <a:lightRig rig="threePt" dir="t"/>
+    </dgm:scene3d>
+    <dgm:sp3d/>
+    <dgm:txPr/>
+    <dgm:style>
+      <a:lnRef idx="2">
+        <a:scrgbClr r="0" g="0" b="0"/>
+      </a:lnRef>
+      <a:fillRef idx="1">
+        <a:scrgbClr r="0" g="0" b="0"/>
+      </a:fillRef>
+      <a:effectRef idx="0">
+        <a:scrgbClr r="0" g="0" b="0"/>
+      </a:effectRef>
+      <a:fontRef idx="minor"/>
+    </dgm:style>
+  </dgm:styleLbl>
+  <dgm:styleLbl name="trAlignAcc1">
+    <dgm:scene3d>
+      <a:camera prst="orthographicFront"/>
+      <a:lightRig rig="threePt" dir="t"/>
+    </dgm:scene3d>
+    <dgm:sp3d/>
+    <dgm:txPr/>
+    <dgm:style>
+      <a:lnRef idx="1">
+        <a:scrgbClr r="0" g="0" b="0"/>
+      </a:lnRef>
+      <a:fillRef idx="1">
+        <a:scrgbClr r="0" g="0" b="0"/>
+      </a:fillRef>
+      <a:effectRef idx="0">
+        <a:scrgbClr r="0" g="0" b="0"/>
+      </a:effectRef>
+      <a:fontRef idx="minor"/>
+    </dgm:style>
+  </dgm:styleLbl>
+  <dgm:styleLbl name="bgAcc1">
+    <dgm:scene3d>
+      <a:camera prst="orthographicFront"/>
+      <a:lightRig rig="threePt" dir="t"/>
+    </dgm:scene3d>
+    <dgm:sp3d/>
+    <dgm:txPr/>
+    <dgm:style>
+      <a:lnRef idx="2">
+        <a:scrgbClr r="0" g="0" b="0"/>
+      </a:lnRef>
+      <a:fillRef idx="1">
+        <a:scrgbClr r="0" g="0" b="0"/>
+      </a:fillRef>
+      <a:effectRef idx="0">
+        <a:scrgbClr r="0" g="0" b="0"/>
+      </a:effectRef>
+      <a:fontRef idx="minor"/>
+    </dgm:style>
+  </dgm:styleLbl>
+  <dgm:styleLbl name="solidFgAcc1">
+    <dgm:scene3d>
+      <a:camera prst="orthographicFront"/>
+      <a:lightRig rig="threePt" dir="t"/>
+    </dgm:scene3d>
+    <dgm:sp3d/>
+    <dgm:txPr/>
+    <dgm:style>
+      <a:lnRef idx="2">
+        <a:scrgbClr r="0" g="0" b="0"/>
+      </a:lnRef>
+      <a:fillRef idx="1">
+        <a:scrgbClr r="0" g="0" b="0"/>
+      </a:fillRef>
+      <a:effectRef idx="0">
+        <a:scrgbClr r="0" g="0" b="0"/>
+      </a:effectRef>
+      <a:fontRef idx="minor"/>
+    </dgm:style>
+  </dgm:styleLbl>
+  <dgm:styleLbl name="solidAlignAcc1">
+    <dgm:scene3d>
+      <a:camera prst="orthographicFront"/>
+      <a:lightRig rig="threePt" dir="t"/>
+    </dgm:scene3d>
+    <dgm:sp3d/>
+    <dgm:txPr/>
+    <dgm:style>
+      <a:lnRef idx="2">
+        <a:scrgbClr r="0" g="0" b="0"/>
+      </a:lnRef>
+      <a:fillRef idx="1">
+        <a:scrgbClr r="0" g="0" b="0"/>
+      </a:fillRef>
+      <a:effectRef idx="0">
+        <a:scrgbClr r="0" g="0" b="0"/>
+      </a:effectRef>
+      <a:fontRef idx="minor"/>
+    </dgm:style>
+  </dgm:styleLbl>
+  <dgm:styleLbl name="solidBgAcc1">
+    <dgm:scene3d>
+      <a:camera prst="orthographicFront"/>
+      <a:lightRig rig="threePt" dir="t"/>
+    </dgm:scene3d>
+    <dgm:sp3d/>
+    <dgm:txPr/>
+    <dgm:style>
+      <a:lnRef idx="2">
+        <a:scrgbClr r="0" g="0" b="0"/>
+      </a:lnRef>
+      <a:fillRef idx="1">
+        <a:scrgbClr r="0" g="0" b="0"/>
+      </a:fillRef>
+      <a:effectRef idx="0">
+        <a:scrgbClr r="0" g="0" b="0"/>
+      </a:effectRef>
+      <a:fontRef idx="minor"/>
+    </dgm:style>
+  </dgm:styleLbl>
+  <dgm:styleLbl name="fgAccFollowNode1">
+    <dgm:scene3d>
+      <a:camera prst="orthographicFront"/>
+      <a:lightRig rig="threePt" dir="t"/>
+    </dgm:scene3d>
+    <dgm:sp3d/>
+    <dgm:txPr/>
+    <dgm:style>
+      <a:lnRef idx="2">
+        <a:scrgbClr r="0" g="0" b="0"/>
+      </a:lnRef>
+      <a:fillRef idx="1">
+        <a:scrgbClr r="0" g="0" b="0"/>
+      </a:fillRef>
+      <a:effectRef idx="0">
+        <a:scrgbClr r="0" g="0" b="0"/>
+      </a:effectRef>
+      <a:fontRef idx="minor"/>
+    </dgm:style>
+  </dgm:styleLbl>
+  <dgm:styleLbl name="alignAccFollowNode1">
+    <dgm:scene3d>
+      <a:camera prst="orthographicFront"/>
+      <a:lightRig rig="threePt" dir="t"/>
+    </dgm:scene3d>
+    <dgm:sp3d/>
+    <dgm:txPr/>
+    <dgm:style>
+      <a:lnRef idx="2">
+        <a:scrgbClr r="0" g="0" b="0"/>
+      </a:lnRef>
+      <a:fillRef idx="1">
+        <a:scrgbClr r="0" g="0" b="0"/>
+      </a:fillRef>
+      <a:effectRef idx="0">
+        <a:scrgbClr r="0" g="0" b="0"/>
+      </a:effectRef>
+      <a:fontRef idx="minor"/>
+    </dgm:style>
+  </dgm:styleLbl>
+  <dgm:styleLbl name="bgAccFollowNode1">
+    <dgm:scene3d>
+      <a:camera prst="orthographicFront"/>
+      <a:lightRig rig="threePt" dir="t"/>
+    </dgm:scene3d>
+    <dgm:sp3d/>
+    <dgm:txPr/>
+    <dgm:style>
+      <a:lnRef idx="2">
+        <a:scrgbClr r="0" g="0" b="0"/>
+      </a:lnRef>
+      <a:fillRef idx="1">
+        <a:scrgbClr r="0" g="0" b="0"/>
+      </a:fillRef>
+      <a:effectRef idx="0">
+        <a:scrgbClr r="0" g="0" b="0"/>
+      </a:effectRef>
+      <a:fontRef idx="minor"/>
+    </dgm:style>
+  </dgm:styleLbl>
+  <dgm:styleLbl name="fgAcc0">
+    <dgm:scene3d>
+      <a:camera prst="orthographicFront"/>
+      <a:lightRig rig="threePt" dir="t"/>
+    </dgm:scene3d>
+    <dgm:sp3d/>
+    <dgm:txPr/>
+    <dgm:style>
+      <a:lnRef idx="2">
+        <a:scrgbClr r="0" g="0" b="0"/>
+      </a:lnRef>
+      <a:fillRef idx="1">
+        <a:scrgbClr r="0" g="0" b="0"/>
+      </a:fillRef>
+      <a:effectRef idx="0">
+        <a:scrgbClr r="0" g="0" b="0"/>
+      </a:effectRef>
+      <a:fontRef idx="minor"/>
+    </dgm:style>
+  </dgm:styleLbl>
+  <dgm:styleLbl name="fgAcc2">
+    <dgm:scene3d>
+      <a:camera prst="orthographicFront"/>
+      <a:lightRig rig="threePt" dir="t"/>
+    </dgm:scene3d>
+    <dgm:sp3d/>
+    <dgm:txPr/>
+    <dgm:style>
+      <a:lnRef idx="2">
+        <a:scrgbClr r="0" g="0" b="0"/>
+      </a:lnRef>
+      <a:fillRef idx="1">
+        <a:scrgbClr r="0" g="0" b="0"/>
+      </a:fillRef>
+      <a:effectRef idx="0">
+        <a:scrgbClr r="0" g="0" b="0"/>
+      </a:effectRef>
+      <a:fontRef idx="minor"/>
+    </dgm:style>
+  </dgm:styleLbl>
+  <dgm:styleLbl name="fgAcc3">
+    <dgm:scene3d>
+      <a:camera prst="orthographicFront"/>
+      <a:lightRig rig="threePt" dir="t"/>
+    </dgm:scene3d>
+    <dgm:sp3d/>
+    <dgm:txPr/>
+    <dgm:style>
+      <a:lnRef idx="2">
+        <a:scrgbClr r="0" g="0" b="0"/>
+      </a:lnRef>
+      <a:fillRef idx="1">
+        <a:scrgbClr r="0" g="0" b="0"/>
+      </a:fillRef>
+      <a:effectRef idx="0">
+        <a:scrgbClr r="0" g="0" b="0"/>
+      </a:effectRef>
+      <a:fontRef idx="minor"/>
+    </dgm:style>
+  </dgm:styleLbl>
+  <dgm:styleLbl name="fgAcc4">
+    <dgm:scene3d>
+      <a:camera prst="orthographicFront"/>
+      <a:lightRig rig="threePt" dir="t"/>
+    </dgm:scene3d>
+    <dgm:sp3d/>
+    <dgm:txPr/>
+    <dgm:style>
+      <a:lnRef idx="2">
+        <a:scrgbClr r="0" g="0" b="0"/>
+      </a:lnRef>
+      <a:fillRef idx="1">
+        <a:scrgbClr r="0" g="0" b="0"/>
+      </a:fillRef>
+      <a:effectRef idx="0">
+        <a:scrgbClr r="0" g="0" b="0"/>
+      </a:effectRef>
+      <a:fontRef idx="minor"/>
+    </dgm:style>
+  </dgm:styleLbl>
+  <dgm:styleLbl name="bgShp">
+    <dgm:scene3d>
+      <a:camera prst="orthographicFront"/>
+      <a:lightRig rig="threePt" dir="t"/>
+    </dgm:scene3d>
+    <dgm:sp3d/>
+    <dgm:txPr/>
+    <dgm:style>
+      <a:lnRef idx="0">
+        <a:scrgbClr r="0" g="0" b="0"/>
+      </a:lnRef>
+      <a:fillRef idx="1">
+        <a:scrgbClr r="0" g="0" b="0"/>
+      </a:fillRef>
+      <a:effectRef idx="0">
+        <a:scrgbClr r="0" g="0" b="0"/>
+      </a:effectRef>
+      <a:fontRef idx="minor"/>
+    </dgm:style>
+  </dgm:styleLbl>
+  <dgm:styleLbl name="dkBgShp">
+    <dgm:scene3d>
+      <a:camera prst="orthographicFront"/>
+      <a:lightRig rig="threePt" dir="t"/>
+    </dgm:scene3d>
+    <dgm:sp3d/>
+    <dgm:txPr/>
+    <dgm:style>
+      <a:lnRef idx="0">
+        <a:scrgbClr r="0" g="0" b="0"/>
+      </a:lnRef>
+      <a:fillRef idx="1">
+        <a:scrgbClr r="0" g="0" b="0"/>
+      </a:fillRef>
+      <a:effectRef idx="0">
+        <a:scrgbClr r="0" g="0" b="0"/>
+      </a:effectRef>
+      <a:fontRef idx="minor"/>
+    </dgm:style>
+  </dgm:styleLbl>
+  <dgm:styleLbl name="trBgShp">
+    <dgm:scene3d>
+      <a:camera prst="orthographicFront"/>
+      <a:lightRig rig="threePt" dir="t"/>
+    </dgm:scene3d>
+    <dgm:sp3d/>
+    <dgm:txPr/>
+    <dgm:style>
+      <a:lnRef idx="0">
+        <a:scrgbClr r="0" g="0" b="0"/>
+      </a:lnRef>
+      <a:fillRef idx="1">
+        <a:scrgbClr r="0" g="0" b="0"/>
+      </a:fillRef>
+      <a:effectRef idx="0">
+        <a:scrgbClr r="0" g="0" b="0"/>
+      </a:effectRef>
+      <a:fontRef idx="minor"/>
+    </dgm:style>
+  </dgm:styleLbl>
+  <dgm:styleLbl name="fgShp">
+    <dgm:scene3d>
+      <a:camera prst="orthographicFront"/>
+      <a:lightRig rig="threePt" dir="t"/>
+    </dgm:scene3d>
+    <dgm:sp3d/>
+    <dgm:txPr/>
+    <dgm:style>
+      <a:lnRef idx="2">
+        <a:scrgbClr r="0" g="0" b="0"/>
+      </a:lnRef>
+      <a:fillRef idx="1">
+        <a:scrgbClr r="0" g="0" b="0"/>
+      </a:fillRef>
+      <a:effectRef idx="0">
+        <a:scrgbClr r="0" g="0" b="0"/>
+      </a:effectRef>
+      <a:fontRef idx="minor"/>
+    </dgm:style>
+  </dgm:styleLbl>
+  <dgm:styleLbl name="revTx">
+    <dgm:scene3d>
+      <a:camera prst="orthographicFront"/>
+      <a:lightRig rig="threePt" dir="t"/>
+    </dgm:scene3d>
+    <dgm:sp3d/>
+    <dgm:txPr/>
+    <dgm:style>
+      <a:lnRef idx="0">
+        <a:scrgbClr r="0" g="0" b="0"/>
+      </a:lnRef>
+      <a:fillRef idx="0">
+        <a:scrgbClr r="0" g="0" b="0"/>
+      </a:fillRef>
+      <a:effectRef idx="0">
+        <a:scrgbClr r="0" g="0" b="0"/>
+      </a:effectRef>
+      <a:fontRef idx="minor"/>
+    </dgm:style>
+  </dgm:styleLbl>
+</dgm:styleDef>
+</file>
+
 <file path=ppt/handoutMasters/handoutMaster1.xml><?xml version="1.0" encoding="utf-8"?>
 <p:handoutMaster xmlns:a="http://schemas.openxmlformats.org/drawingml/2006/main" xmlns:r="http://schemas.openxmlformats.org/officeDocument/2006/relationships" xmlns:p="http://schemas.openxmlformats.org/presentationml/2006/main">
   <p:cSld>
@@ -230,7 +2208,7 @@
           <a:p>
             <a:fld id="{CF0C4EB6-13CE-42FA-A465-881E7B1B89F2}" type="datetime1">
               <a:rPr lang="zh-TW" altLang="en-US" smtClean="0"/>
-              <a:t>2023/4/14</a:t>
+              <a:t>2023/4/21</a:t>
             </a:fld>
             <a:endParaRPr lang="zh-TW" altLang="en-US"/>
           </a:p>
@@ -396,7 +2374,7 @@
           <a:p>
             <a:fld id="{07D609A8-A0B9-4B61-BBA0-3B92CBA920FC}" type="datetime1">
               <a:rPr lang="zh-TW" altLang="en-US" smtClean="0"/>
-              <a:t>2023/4/14</a:t>
+              <a:t>2023/4/21</a:t>
             </a:fld>
             <a:endParaRPr lang="zh-TW" altLang="en-US"/>
           </a:p>
@@ -1396,7 +3374,7 @@
           <a:p>
             <a:fld id="{C29A1495-651F-4C55-BC70-F3683C9EEA98}" type="datetime1">
               <a:rPr lang="zh-TW" altLang="en-US" smtClean="0"/>
-              <a:t>2023/4/14</a:t>
+              <a:t>2023/4/21</a:t>
             </a:fld>
             <a:endParaRPr lang="zh-TW" altLang="en-US"/>
           </a:p>
@@ -1660,7 +3638,7 @@
           <a:p>
             <a:fld id="{BFBA6105-12C2-4FEC-9EE0-E037C4FF0EC8}" type="datetime1">
               <a:rPr lang="zh-TW" altLang="en-US" smtClean="0"/>
-              <a:t>2023/4/14</a:t>
+              <a:t>2023/4/21</a:t>
             </a:fld>
             <a:endParaRPr lang="zh-TW" altLang="en-US"/>
           </a:p>
@@ -1837,7 +3815,7 @@
           <a:p>
             <a:fld id="{292F410C-DAD2-43EE-A833-8FB6A766E77B}" type="datetime1">
               <a:rPr lang="zh-TW" altLang="en-US" smtClean="0"/>
-              <a:t>2023/4/14</a:t>
+              <a:t>2023/4/21</a:t>
             </a:fld>
             <a:endParaRPr lang="zh-TW" altLang="en-US"/>
           </a:p>
@@ -2017,7 +3995,7 @@
           <a:p>
             <a:fld id="{3EF0348C-2C75-4063-8BA0-E01214792789}" type="datetime1">
               <a:rPr lang="zh-TW" altLang="en-US" smtClean="0"/>
-              <a:t>2023/4/14</a:t>
+              <a:t>2023/4/21</a:t>
             </a:fld>
             <a:endParaRPr lang="zh-TW" altLang="en-US"/>
           </a:p>
@@ -3817,7 +5795,7 @@
           <a:p>
             <a:fld id="{42174B22-70FE-4F90-9FA0-43D052BE7110}" type="datetime1">
               <a:rPr lang="zh-TW" altLang="en-US" smtClean="0"/>
-              <a:t>2023/4/14</a:t>
+              <a:t>2023/4/21</a:t>
             </a:fld>
             <a:endParaRPr lang="zh-TW" altLang="en-US"/>
           </a:p>
@@ -4184,7 +6162,7 @@
           <a:p>
             <a:fld id="{4572B9DE-E3BC-49A5-B8AC-E23F67BA5B2F}" type="datetime1">
               <a:rPr lang="zh-TW" altLang="en-US" smtClean="0"/>
-              <a:t>2023/4/14</a:t>
+              <a:t>2023/4/21</a:t>
             </a:fld>
             <a:endParaRPr lang="zh-TW" altLang="en-US"/>
           </a:p>
@@ -4309,7 +6287,7 @@
           <a:p>
             <a:fld id="{8D2D14C5-272C-4EC2-9D41-3AE07AC9FD9B}" type="datetime1">
               <a:rPr lang="zh-TW" altLang="en-US" smtClean="0"/>
-              <a:t>2023/4/14</a:t>
+              <a:t>2023/4/21</a:t>
             </a:fld>
             <a:endParaRPr lang="zh-TW" altLang="en-US"/>
           </a:p>
@@ -4404,7 +6382,7 @@
           <a:p>
             <a:fld id="{62E1375C-0622-4A89-8224-844649C02414}" type="datetime1">
               <a:rPr lang="zh-TW" altLang="en-US" smtClean="0"/>
-              <a:t>2023/4/14</a:t>
+              <a:t>2023/4/21</a:t>
             </a:fld>
             <a:endParaRPr lang="zh-TW" altLang="en-US"/>
           </a:p>
@@ -4617,7 +6595,7 @@
           <a:p>
             <a:fld id="{98E69244-B35E-42B8-879D-C6B3077D3BC6}" type="datetime1">
               <a:rPr lang="zh-TW" altLang="en-US" smtClean="0"/>
-              <a:t>2023/4/14</a:t>
+              <a:t>2023/4/21</a:t>
             </a:fld>
             <a:endParaRPr lang="zh-TW" altLang="en-US"/>
           </a:p>
@@ -5150,6 +7128,900 @@
         </p:nvSpPr>
         <p:spPr>
           <a:xfrm>
+            <a:off x="1919111" y="182738"/>
+            <a:ext cx="5714052" cy="846052"/>
+          </a:xfrm>
+        </p:spPr>
+        <p:txBody>
+          <a:bodyPr>
+            <a:normAutofit fontScale="90000"/>
+          </a:bodyPr>
+          <a:lstStyle/>
+          <a:p>
+            <a:r>
+              <a:rPr lang="en-US" altLang="zh-TW" dirty="0" smtClean="0"/>
+              <a:t>ICP API </a:t>
+            </a:r>
+            <a:r>
+              <a:rPr lang="zh-TW" altLang="en-US" dirty="0" smtClean="0"/>
+              <a:t>執行測試流程</a:t>
+            </a:r>
+            <a:endParaRPr lang="zh-TW" altLang="en-US" dirty="0"/>
+          </a:p>
+        </p:txBody>
+      </p:sp>
+      <p:graphicFrame>
+        <p:nvGraphicFramePr>
+          <p:cNvPr id="4" name="內容版面配置區 3"/>
+          <p:cNvGraphicFramePr>
+            <a:graphicFrameLocks noGrp="1"/>
+          </p:cNvGraphicFramePr>
+          <p:nvPr>
+            <p:ph sz="quarter" idx="4"/>
+            <p:extLst>
+              <p:ext uri="{D42A27DB-BD31-4B8C-83A1-F6EECF244321}">
+                <p14:modId xmlns:p14="http://schemas.microsoft.com/office/powerpoint/2010/main" val="369523915"/>
+              </p:ext>
+            </p:extLst>
+          </p:nvPr>
+        </p:nvGraphicFramePr>
+        <p:xfrm>
+          <a:off x="1286934" y="1117600"/>
+          <a:ext cx="7390342" cy="5633156"/>
+        </p:xfrm>
+        <a:graphic>
+          <a:graphicData uri="http://schemas.openxmlformats.org/drawingml/2006/diagram">
+            <dgm:relIds xmlns:dgm="http://schemas.openxmlformats.org/drawingml/2006/diagram" xmlns:r="http://schemas.openxmlformats.org/officeDocument/2006/relationships" r:dm="rId2" r:lo="rId3" r:qs="rId4" r:cs="rId5"/>
+          </a:graphicData>
+        </a:graphic>
+      </p:graphicFrame>
+      <p:sp>
+        <p:nvSpPr>
+          <p:cNvPr id="5" name="矩形 4"/>
+          <p:cNvSpPr/>
+          <p:nvPr/>
+        </p:nvSpPr>
+        <p:spPr>
+          <a:xfrm>
+            <a:off x="1828800" y="1446036"/>
+            <a:ext cx="1964266" cy="790222"/>
+          </a:xfrm>
+          <a:prstGeom prst="rect">
+            <a:avLst/>
+          </a:prstGeom>
+        </p:spPr>
+        <p:style>
+          <a:lnRef idx="1">
+            <a:schemeClr val="accent6"/>
+          </a:lnRef>
+          <a:fillRef idx="2">
+            <a:schemeClr val="accent6"/>
+          </a:fillRef>
+          <a:effectRef idx="1">
+            <a:schemeClr val="accent6"/>
+          </a:effectRef>
+          <a:fontRef idx="minor">
+            <a:schemeClr val="dk1"/>
+          </a:fontRef>
+        </p:style>
+        <p:txBody>
+          <a:bodyPr rtlCol="0" anchor="ctr"/>
+          <a:lstStyle/>
+          <a:p>
+            <a:pPr algn="ctr"/>
+            <a:r>
+              <a:rPr lang="en-US" altLang="zh-TW" dirty="0" smtClean="0"/>
+              <a:t>C#</a:t>
+            </a:r>
+            <a:r>
+              <a:rPr lang="zh-TW" altLang="en-US" dirty="0" smtClean="0"/>
+              <a:t>程式</a:t>
+            </a:r>
+            <a:endParaRPr lang="zh-TW" altLang="en-US" dirty="0"/>
+          </a:p>
+        </p:txBody>
+      </p:sp>
+      <p:sp>
+        <p:nvSpPr>
+          <p:cNvPr id="6" name="向下箭號 5"/>
+          <p:cNvSpPr/>
+          <p:nvPr/>
+        </p:nvSpPr>
+        <p:spPr>
+          <a:xfrm>
+            <a:off x="2720622" y="2236258"/>
+            <a:ext cx="225778" cy="642409"/>
+          </a:xfrm>
+          <a:prstGeom prst="downArrow">
+            <a:avLst/>
+          </a:prstGeom>
+        </p:spPr>
+        <p:style>
+          <a:lnRef idx="2">
+            <a:schemeClr val="accent1">
+              <a:shade val="50000"/>
+            </a:schemeClr>
+          </a:lnRef>
+          <a:fillRef idx="1">
+            <a:schemeClr val="accent1"/>
+          </a:fillRef>
+          <a:effectRef idx="0">
+            <a:schemeClr val="accent1"/>
+          </a:effectRef>
+          <a:fontRef idx="minor">
+            <a:schemeClr val="lt1"/>
+          </a:fontRef>
+        </p:style>
+        <p:txBody>
+          <a:bodyPr rtlCol="0" anchor="ctr"/>
+          <a:lstStyle/>
+          <a:p>
+            <a:pPr algn="ctr"/>
+            <a:endParaRPr lang="zh-TW" altLang="en-US"/>
+          </a:p>
+        </p:txBody>
+      </p:sp>
+      <p:sp>
+        <p:nvSpPr>
+          <p:cNvPr id="7" name="矩形 6"/>
+          <p:cNvSpPr/>
+          <p:nvPr/>
+        </p:nvSpPr>
+        <p:spPr>
+          <a:xfrm>
+            <a:off x="1851378" y="4311298"/>
+            <a:ext cx="1964266" cy="790222"/>
+          </a:xfrm>
+          <a:prstGeom prst="rect">
+            <a:avLst/>
+          </a:prstGeom>
+        </p:spPr>
+        <p:style>
+          <a:lnRef idx="1">
+            <a:schemeClr val="accent6"/>
+          </a:lnRef>
+          <a:fillRef idx="2">
+            <a:schemeClr val="accent6"/>
+          </a:fillRef>
+          <a:effectRef idx="1">
+            <a:schemeClr val="accent6"/>
+          </a:effectRef>
+          <a:fontRef idx="minor">
+            <a:schemeClr val="dk1"/>
+          </a:fontRef>
+        </p:style>
+        <p:txBody>
+          <a:bodyPr rtlCol="0" anchor="ctr"/>
+          <a:lstStyle/>
+          <a:p>
+            <a:pPr algn="ctr"/>
+            <a:r>
+              <a:rPr lang="en-US" altLang="zh-TW" dirty="0" err="1" smtClean="0"/>
+              <a:t>Jenkis</a:t>
+            </a:r>
+            <a:r>
+              <a:rPr lang="zh-TW" altLang="en-US" dirty="0" smtClean="0"/>
+              <a:t>建置與執行</a:t>
+            </a:r>
+            <a:endParaRPr lang="zh-TW" altLang="en-US" dirty="0"/>
+          </a:p>
+        </p:txBody>
+      </p:sp>
+      <p:sp>
+        <p:nvSpPr>
+          <p:cNvPr id="9" name="向下箭號 8"/>
+          <p:cNvSpPr/>
+          <p:nvPr/>
+        </p:nvSpPr>
+        <p:spPr>
+          <a:xfrm>
+            <a:off x="2720622" y="3668889"/>
+            <a:ext cx="225778" cy="642409"/>
+          </a:xfrm>
+          <a:prstGeom prst="downArrow">
+            <a:avLst/>
+          </a:prstGeom>
+        </p:spPr>
+        <p:style>
+          <a:lnRef idx="2">
+            <a:schemeClr val="accent1">
+              <a:shade val="50000"/>
+            </a:schemeClr>
+          </a:lnRef>
+          <a:fillRef idx="1">
+            <a:schemeClr val="accent1"/>
+          </a:fillRef>
+          <a:effectRef idx="0">
+            <a:schemeClr val="accent1"/>
+          </a:effectRef>
+          <a:fontRef idx="minor">
+            <a:schemeClr val="lt1"/>
+          </a:fontRef>
+        </p:style>
+        <p:txBody>
+          <a:bodyPr rtlCol="0" anchor="ctr"/>
+          <a:lstStyle/>
+          <a:p>
+            <a:pPr algn="ctr"/>
+            <a:endParaRPr lang="zh-TW" altLang="en-US"/>
+          </a:p>
+        </p:txBody>
+      </p:sp>
+      <p:sp>
+        <p:nvSpPr>
+          <p:cNvPr id="10" name="矩形 9"/>
+          <p:cNvSpPr/>
+          <p:nvPr/>
+        </p:nvSpPr>
+        <p:spPr>
+          <a:xfrm>
+            <a:off x="1828800" y="2878667"/>
+            <a:ext cx="1964266" cy="790222"/>
+          </a:xfrm>
+          <a:prstGeom prst="rect">
+            <a:avLst/>
+          </a:prstGeom>
+        </p:spPr>
+        <p:style>
+          <a:lnRef idx="1">
+            <a:schemeClr val="accent6"/>
+          </a:lnRef>
+          <a:fillRef idx="2">
+            <a:schemeClr val="accent6"/>
+          </a:fillRef>
+          <a:effectRef idx="1">
+            <a:schemeClr val="accent6"/>
+          </a:effectRef>
+          <a:fontRef idx="minor">
+            <a:schemeClr val="dk1"/>
+          </a:fontRef>
+        </p:style>
+        <p:txBody>
+          <a:bodyPr rtlCol="0" anchor="ctr"/>
+          <a:lstStyle/>
+          <a:p>
+            <a:pPr algn="ctr"/>
+            <a:r>
+              <a:rPr lang="en-US" altLang="zh-TW" dirty="0" smtClean="0"/>
+              <a:t>Python</a:t>
+            </a:r>
+            <a:r>
+              <a:rPr lang="zh-TW" altLang="en-US" dirty="0" smtClean="0"/>
+              <a:t>自動化測試腳本</a:t>
+            </a:r>
+            <a:endParaRPr lang="zh-TW" altLang="en-US" dirty="0"/>
+          </a:p>
+        </p:txBody>
+      </p:sp>
+      <p:sp>
+        <p:nvSpPr>
+          <p:cNvPr id="14" name="矩形 13"/>
+          <p:cNvSpPr/>
+          <p:nvPr/>
+        </p:nvSpPr>
+        <p:spPr>
+          <a:xfrm>
+            <a:off x="1828800" y="5734755"/>
+            <a:ext cx="1964266" cy="790222"/>
+          </a:xfrm>
+          <a:prstGeom prst="rect">
+            <a:avLst/>
+          </a:prstGeom>
+        </p:spPr>
+        <p:style>
+          <a:lnRef idx="1">
+            <a:schemeClr val="accent6"/>
+          </a:lnRef>
+          <a:fillRef idx="2">
+            <a:schemeClr val="accent6"/>
+          </a:fillRef>
+          <a:effectRef idx="1">
+            <a:schemeClr val="accent6"/>
+          </a:effectRef>
+          <a:fontRef idx="minor">
+            <a:schemeClr val="dk1"/>
+          </a:fontRef>
+        </p:style>
+        <p:txBody>
+          <a:bodyPr rtlCol="0" anchor="ctr"/>
+          <a:lstStyle/>
+          <a:p>
+            <a:pPr algn="ctr"/>
+            <a:r>
+              <a:rPr lang="en-US" altLang="zh-TW" dirty="0" smtClean="0"/>
+              <a:t>GitHub</a:t>
+            </a:r>
+            <a:r>
+              <a:rPr lang="zh-TW" altLang="en-US" dirty="0" smtClean="0"/>
+              <a:t>儲存測試腳本</a:t>
+            </a:r>
+            <a:endParaRPr lang="zh-TW" altLang="en-US" dirty="0"/>
+          </a:p>
+        </p:txBody>
+      </p:sp>
+      <p:sp>
+        <p:nvSpPr>
+          <p:cNvPr id="15" name="向下箭號 14"/>
+          <p:cNvSpPr/>
+          <p:nvPr/>
+        </p:nvSpPr>
+        <p:spPr>
+          <a:xfrm>
+            <a:off x="2720622" y="5096933"/>
+            <a:ext cx="225778" cy="642409"/>
+          </a:xfrm>
+          <a:prstGeom prst="downArrow">
+            <a:avLst/>
+          </a:prstGeom>
+        </p:spPr>
+        <p:style>
+          <a:lnRef idx="2">
+            <a:schemeClr val="accent1">
+              <a:shade val="50000"/>
+            </a:schemeClr>
+          </a:lnRef>
+          <a:fillRef idx="1">
+            <a:schemeClr val="accent1"/>
+          </a:fillRef>
+          <a:effectRef idx="0">
+            <a:schemeClr val="accent1"/>
+          </a:effectRef>
+          <a:fontRef idx="minor">
+            <a:schemeClr val="lt1"/>
+          </a:fontRef>
+        </p:style>
+        <p:txBody>
+          <a:bodyPr rtlCol="0" anchor="ctr"/>
+          <a:lstStyle/>
+          <a:p>
+            <a:pPr algn="ctr"/>
+            <a:endParaRPr lang="zh-TW" altLang="en-US"/>
+          </a:p>
+        </p:txBody>
+      </p:sp>
+      <p:sp>
+        <p:nvSpPr>
+          <p:cNvPr id="16" name="文字方塊 15"/>
+          <p:cNvSpPr txBox="1"/>
+          <p:nvPr/>
+        </p:nvSpPr>
+        <p:spPr>
+          <a:xfrm>
+            <a:off x="3962399" y="2122311"/>
+            <a:ext cx="5102579" cy="3785652"/>
+          </a:xfrm>
+          <a:prstGeom prst="rect">
+            <a:avLst/>
+          </a:prstGeom>
+          <a:noFill/>
+        </p:spPr>
+        <p:txBody>
+          <a:bodyPr wrap="square" rtlCol="0">
+            <a:spAutoFit/>
+          </a:bodyPr>
+          <a:lstStyle/>
+          <a:p>
+            <a:r>
+              <a:rPr lang="en-US" altLang="zh-TW" sz="2000" b="1" dirty="0">
+                <a:solidFill>
+                  <a:schemeClr val="accent2">
+                    <a:lumMod val="50000"/>
+                  </a:schemeClr>
+                </a:solidFill>
+                <a:latin typeface="標楷體" panose="03000509000000000000" pitchFamily="65" charset="-120"/>
+                <a:ea typeface="標楷體" panose="03000509000000000000" pitchFamily="65" charset="-120"/>
+              </a:rPr>
+              <a:t>1.C# </a:t>
+            </a:r>
+            <a:r>
+              <a:rPr lang="zh-TW" altLang="en-US" sz="2000" b="1" dirty="0">
+                <a:solidFill>
+                  <a:schemeClr val="accent2">
+                    <a:lumMod val="50000"/>
+                  </a:schemeClr>
+                </a:solidFill>
+                <a:latin typeface="標楷體" panose="03000509000000000000" pitchFamily="65" charset="-120"/>
+                <a:ea typeface="標楷體" panose="03000509000000000000" pitchFamily="65" charset="-120"/>
+              </a:rPr>
+              <a:t>去執行 </a:t>
+            </a:r>
+            <a:r>
+              <a:rPr lang="en-US" altLang="zh-TW" sz="2000" b="1" dirty="0">
+                <a:solidFill>
+                  <a:schemeClr val="accent2">
+                    <a:lumMod val="50000"/>
+                  </a:schemeClr>
+                </a:solidFill>
+                <a:latin typeface="標楷體" panose="03000509000000000000" pitchFamily="65" charset="-120"/>
+                <a:ea typeface="標楷體" panose="03000509000000000000" pitchFamily="65" charset="-120"/>
+              </a:rPr>
+              <a:t>Request Encrypt </a:t>
+            </a:r>
+            <a:r>
+              <a:rPr lang="en-US" altLang="zh-TW" sz="2000" b="1" dirty="0" err="1">
+                <a:solidFill>
+                  <a:schemeClr val="accent2">
+                    <a:lumMod val="50000"/>
+                  </a:schemeClr>
+                </a:solidFill>
+                <a:latin typeface="標楷體" panose="03000509000000000000" pitchFamily="65" charset="-120"/>
+                <a:ea typeface="標楷體" panose="03000509000000000000" pitchFamily="65" charset="-120"/>
+              </a:rPr>
+              <a:t>EncData</a:t>
+            </a:r>
+            <a:r>
+              <a:rPr lang="en-US" altLang="zh-TW" sz="2000" b="1" dirty="0">
+                <a:solidFill>
+                  <a:schemeClr val="accent2">
+                    <a:lumMod val="50000"/>
+                  </a:schemeClr>
+                </a:solidFill>
+                <a:latin typeface="標楷體" panose="03000509000000000000" pitchFamily="65" charset="-120"/>
+                <a:ea typeface="標楷體" panose="03000509000000000000" pitchFamily="65" charset="-120"/>
+              </a:rPr>
+              <a:t> </a:t>
+            </a:r>
+            <a:r>
+              <a:rPr lang="en-US" altLang="zh-TW" sz="2000" b="1" dirty="0" smtClean="0">
+                <a:solidFill>
+                  <a:schemeClr val="accent2">
+                    <a:lumMod val="50000"/>
+                  </a:schemeClr>
+                </a:solidFill>
+                <a:latin typeface="標楷體" panose="03000509000000000000" pitchFamily="65" charset="-120"/>
+                <a:ea typeface="標楷體" panose="03000509000000000000" pitchFamily="65" charset="-120"/>
+              </a:rPr>
+              <a:t>  parameters</a:t>
+            </a:r>
+          </a:p>
+          <a:p>
+            <a:endParaRPr lang="en-US" altLang="zh-TW" sz="2000" b="1" dirty="0">
+              <a:solidFill>
+                <a:schemeClr val="accent2">
+                  <a:lumMod val="50000"/>
+                </a:schemeClr>
+              </a:solidFill>
+              <a:latin typeface="標楷體" panose="03000509000000000000" pitchFamily="65" charset="-120"/>
+              <a:ea typeface="標楷體" panose="03000509000000000000" pitchFamily="65" charset="-120"/>
+            </a:endParaRPr>
+          </a:p>
+          <a:p>
+            <a:r>
+              <a:rPr lang="en-US" altLang="zh-TW" sz="2000" b="1" dirty="0">
+                <a:solidFill>
+                  <a:schemeClr val="accent2">
+                    <a:lumMod val="50000"/>
+                  </a:schemeClr>
+                </a:solidFill>
+                <a:latin typeface="標楷體" panose="03000509000000000000" pitchFamily="65" charset="-120"/>
+                <a:ea typeface="標楷體" panose="03000509000000000000" pitchFamily="65" charset="-120"/>
+              </a:rPr>
+              <a:t>2.</a:t>
+            </a:r>
+            <a:r>
+              <a:rPr lang="zh-TW" altLang="en-US" sz="2000" b="1" dirty="0">
+                <a:solidFill>
+                  <a:schemeClr val="accent2">
+                    <a:lumMod val="50000"/>
+                  </a:schemeClr>
+                </a:solidFill>
+                <a:latin typeface="標楷體" panose="03000509000000000000" pitchFamily="65" charset="-120"/>
+                <a:ea typeface="標楷體" panose="03000509000000000000" pitchFamily="65" charset="-120"/>
+              </a:rPr>
+              <a:t>依據</a:t>
+            </a:r>
+            <a:r>
+              <a:rPr lang="en-US" altLang="zh-TW" sz="2000" b="1" dirty="0">
+                <a:solidFill>
+                  <a:schemeClr val="accent2">
+                    <a:lumMod val="50000"/>
+                  </a:schemeClr>
+                </a:solidFill>
+                <a:latin typeface="標楷體" panose="03000509000000000000" pitchFamily="65" charset="-120"/>
+                <a:ea typeface="標楷體" panose="03000509000000000000" pitchFamily="65" charset="-120"/>
+              </a:rPr>
+              <a:t>API</a:t>
+            </a:r>
+            <a:r>
+              <a:rPr lang="zh-TW" altLang="en-US" sz="2000" b="1" dirty="0">
+                <a:solidFill>
+                  <a:schemeClr val="accent2">
+                    <a:lumMod val="50000"/>
+                  </a:schemeClr>
+                </a:solidFill>
+                <a:latin typeface="標楷體" panose="03000509000000000000" pitchFamily="65" charset="-120"/>
+                <a:ea typeface="標楷體" panose="03000509000000000000" pitchFamily="65" charset="-120"/>
+              </a:rPr>
+              <a:t>文件規格，用</a:t>
+            </a:r>
+            <a:r>
+              <a:rPr lang="en-US" altLang="zh-TW" sz="2000" b="1" dirty="0">
+                <a:solidFill>
+                  <a:schemeClr val="accent2">
+                    <a:lumMod val="50000"/>
+                  </a:schemeClr>
+                </a:solidFill>
+                <a:latin typeface="標楷體" panose="03000509000000000000" pitchFamily="65" charset="-120"/>
+                <a:ea typeface="標楷體" panose="03000509000000000000" pitchFamily="65" charset="-120"/>
+              </a:rPr>
+              <a:t>python</a:t>
+            </a:r>
+            <a:r>
+              <a:rPr lang="zh-TW" altLang="en-US" sz="2000" b="1" dirty="0">
+                <a:solidFill>
+                  <a:schemeClr val="accent2">
+                    <a:lumMod val="50000"/>
+                  </a:schemeClr>
+                </a:solidFill>
+                <a:latin typeface="標楷體" panose="03000509000000000000" pitchFamily="65" charset="-120"/>
+                <a:ea typeface="標楷體" panose="03000509000000000000" pitchFamily="65" charset="-120"/>
+              </a:rPr>
+              <a:t>建置測試腳本 </a:t>
+            </a:r>
+            <a:r>
+              <a:rPr lang="en-US" altLang="zh-TW" sz="2000" b="1" dirty="0">
+                <a:solidFill>
+                  <a:schemeClr val="accent2">
+                    <a:lumMod val="50000"/>
+                  </a:schemeClr>
+                </a:solidFill>
+                <a:latin typeface="標楷體" panose="03000509000000000000" pitchFamily="65" charset="-120"/>
+                <a:ea typeface="標楷體" panose="03000509000000000000" pitchFamily="65" charset="-120"/>
+              </a:rPr>
+              <a:t>post</a:t>
+            </a:r>
+            <a:r>
+              <a:rPr lang="zh-TW" altLang="en-US" sz="2000" b="1" dirty="0">
+                <a:solidFill>
+                  <a:schemeClr val="accent2">
+                    <a:lumMod val="50000"/>
+                  </a:schemeClr>
+                </a:solidFill>
+                <a:latin typeface="標楷體" panose="03000509000000000000" pitchFamily="65" charset="-120"/>
+                <a:ea typeface="標楷體" panose="03000509000000000000" pitchFamily="65" charset="-120"/>
+              </a:rPr>
+              <a:t>參數，得到 </a:t>
+            </a:r>
+            <a:r>
+              <a:rPr lang="en-US" altLang="zh-TW" sz="2000" b="1" dirty="0" smtClean="0">
+                <a:solidFill>
+                  <a:schemeClr val="accent2">
+                    <a:lumMod val="50000"/>
+                  </a:schemeClr>
+                </a:solidFill>
+                <a:latin typeface="標楷體" panose="03000509000000000000" pitchFamily="65" charset="-120"/>
+                <a:ea typeface="標楷體" panose="03000509000000000000" pitchFamily="65" charset="-120"/>
+              </a:rPr>
+              <a:t>Response parameters(</a:t>
+            </a:r>
+            <a:r>
+              <a:rPr lang="en-US" altLang="zh-TW" sz="2000" b="1" dirty="0" err="1" smtClean="0">
+                <a:solidFill>
+                  <a:schemeClr val="accent2">
+                    <a:lumMod val="50000"/>
+                  </a:schemeClr>
+                </a:solidFill>
+                <a:latin typeface="標楷體" panose="03000509000000000000" pitchFamily="65" charset="-120"/>
+                <a:ea typeface="標楷體" panose="03000509000000000000" pitchFamily="65" charset="-120"/>
+              </a:rPr>
+              <a:t>RtnCode</a:t>
+            </a:r>
+            <a:r>
+              <a:rPr lang="zh-TW" altLang="en-US" sz="2000" b="1" dirty="0">
+                <a:solidFill>
+                  <a:schemeClr val="accent2">
+                    <a:lumMod val="50000"/>
+                  </a:schemeClr>
+                </a:solidFill>
+                <a:latin typeface="標楷體" panose="03000509000000000000" pitchFamily="65" charset="-120"/>
+                <a:ea typeface="標楷體" panose="03000509000000000000" pitchFamily="65" charset="-120"/>
+              </a:rPr>
+              <a:t>、</a:t>
+            </a:r>
+            <a:r>
+              <a:rPr lang="en-US" altLang="zh-TW" sz="2000" b="1" dirty="0" err="1">
+                <a:solidFill>
+                  <a:schemeClr val="accent2">
+                    <a:lumMod val="50000"/>
+                  </a:schemeClr>
+                </a:solidFill>
+                <a:latin typeface="標楷體" panose="03000509000000000000" pitchFamily="65" charset="-120"/>
+                <a:ea typeface="標楷體" panose="03000509000000000000" pitchFamily="65" charset="-120"/>
+              </a:rPr>
+              <a:t>RtnMsg</a:t>
+            </a:r>
+            <a:r>
+              <a:rPr lang="en-US" altLang="zh-TW" sz="2000" b="1" dirty="0">
+                <a:solidFill>
+                  <a:schemeClr val="accent2">
+                    <a:lumMod val="50000"/>
+                  </a:schemeClr>
+                </a:solidFill>
+                <a:latin typeface="標楷體" panose="03000509000000000000" pitchFamily="65" charset="-120"/>
+                <a:ea typeface="標楷體" panose="03000509000000000000" pitchFamily="65" charset="-120"/>
+              </a:rPr>
+              <a:t>) and Response Encrypt </a:t>
+            </a:r>
+            <a:r>
+              <a:rPr lang="en-US" altLang="zh-TW" sz="2000" b="1" dirty="0" err="1">
+                <a:solidFill>
+                  <a:schemeClr val="accent2">
+                    <a:lumMod val="50000"/>
+                  </a:schemeClr>
+                </a:solidFill>
+                <a:latin typeface="標楷體" panose="03000509000000000000" pitchFamily="65" charset="-120"/>
+                <a:ea typeface="標楷體" panose="03000509000000000000" pitchFamily="65" charset="-120"/>
+              </a:rPr>
+              <a:t>EncData</a:t>
+            </a:r>
+            <a:r>
+              <a:rPr lang="en-US" altLang="zh-TW" sz="2000" b="1" dirty="0">
+                <a:solidFill>
+                  <a:schemeClr val="accent2">
+                    <a:lumMod val="50000"/>
+                  </a:schemeClr>
+                </a:solidFill>
+                <a:latin typeface="標楷體" panose="03000509000000000000" pitchFamily="65" charset="-120"/>
+                <a:ea typeface="標楷體" panose="03000509000000000000" pitchFamily="65" charset="-120"/>
+              </a:rPr>
+              <a:t> </a:t>
+            </a:r>
+            <a:r>
+              <a:rPr lang="en-US" altLang="zh-TW" sz="2000" b="1" dirty="0" smtClean="0">
+                <a:solidFill>
+                  <a:schemeClr val="accent2">
+                    <a:lumMod val="50000"/>
+                  </a:schemeClr>
+                </a:solidFill>
+                <a:latin typeface="標楷體" panose="03000509000000000000" pitchFamily="65" charset="-120"/>
+                <a:ea typeface="標楷體" panose="03000509000000000000" pitchFamily="65" charset="-120"/>
+              </a:rPr>
+              <a:t>parameters</a:t>
+            </a:r>
+          </a:p>
+          <a:p>
+            <a:endParaRPr lang="en-US" altLang="zh-TW" sz="2000" b="1" dirty="0">
+              <a:solidFill>
+                <a:schemeClr val="accent2">
+                  <a:lumMod val="50000"/>
+                </a:schemeClr>
+              </a:solidFill>
+              <a:latin typeface="標楷體" panose="03000509000000000000" pitchFamily="65" charset="-120"/>
+              <a:ea typeface="標楷體" panose="03000509000000000000" pitchFamily="65" charset="-120"/>
+            </a:endParaRPr>
+          </a:p>
+          <a:p>
+            <a:r>
+              <a:rPr lang="en-US" altLang="zh-TW" sz="2000" b="1" dirty="0">
+                <a:solidFill>
+                  <a:schemeClr val="accent2">
+                    <a:lumMod val="50000"/>
+                  </a:schemeClr>
+                </a:solidFill>
+                <a:latin typeface="標楷體" panose="03000509000000000000" pitchFamily="65" charset="-120"/>
+                <a:ea typeface="標楷體" panose="03000509000000000000" pitchFamily="65" charset="-120"/>
+              </a:rPr>
+              <a:t>3.a.127.0.0.1:5000 All Test Case</a:t>
+            </a:r>
+          </a:p>
+          <a:p>
+            <a:r>
+              <a:rPr lang="en-US" altLang="zh-TW" sz="2000" b="1" dirty="0">
+                <a:solidFill>
+                  <a:schemeClr val="accent2">
+                    <a:lumMod val="50000"/>
+                  </a:schemeClr>
+                </a:solidFill>
+                <a:latin typeface="標楷體" panose="03000509000000000000" pitchFamily="65" charset="-120"/>
+                <a:ea typeface="標楷體" panose="03000509000000000000" pitchFamily="65" charset="-120"/>
+              </a:rPr>
+              <a:t> </a:t>
+            </a:r>
+            <a:r>
+              <a:rPr lang="en-US" altLang="zh-TW" sz="2000" b="1" dirty="0" smtClean="0">
+                <a:solidFill>
+                  <a:schemeClr val="accent2">
+                    <a:lumMod val="50000"/>
+                  </a:schemeClr>
+                </a:solidFill>
+                <a:latin typeface="標楷體" panose="03000509000000000000" pitchFamily="65" charset="-120"/>
+                <a:ea typeface="標楷體" panose="03000509000000000000" pitchFamily="65" charset="-120"/>
+              </a:rPr>
+              <a:t> </a:t>
+            </a:r>
+            <a:r>
+              <a:rPr lang="en-US" altLang="zh-TW" sz="2000" b="1" dirty="0" err="1" smtClean="0">
+                <a:solidFill>
+                  <a:schemeClr val="accent2">
+                    <a:lumMod val="50000"/>
+                  </a:schemeClr>
+                </a:solidFill>
+                <a:latin typeface="標楷體" panose="03000509000000000000" pitchFamily="65" charset="-120"/>
+                <a:ea typeface="標楷體" panose="03000509000000000000" pitchFamily="65" charset="-120"/>
+              </a:rPr>
+              <a:t>b.Jenkins</a:t>
+            </a:r>
+            <a:r>
+              <a:rPr lang="en-US" altLang="zh-TW" sz="2000" b="1" dirty="0" smtClean="0">
+                <a:solidFill>
+                  <a:schemeClr val="accent2">
+                    <a:lumMod val="50000"/>
+                  </a:schemeClr>
+                </a:solidFill>
+                <a:latin typeface="標楷體" panose="03000509000000000000" pitchFamily="65" charset="-120"/>
+                <a:ea typeface="標楷體" panose="03000509000000000000" pitchFamily="65" charset="-120"/>
+              </a:rPr>
+              <a:t> </a:t>
+            </a:r>
+            <a:r>
+              <a:rPr lang="zh-TW" altLang="en-US" sz="2000" b="1" dirty="0">
+                <a:solidFill>
+                  <a:schemeClr val="accent2">
+                    <a:lumMod val="50000"/>
+                  </a:schemeClr>
+                </a:solidFill>
+                <a:latin typeface="標楷體" panose="03000509000000000000" pitchFamily="65" charset="-120"/>
+                <a:ea typeface="標楷體" panose="03000509000000000000" pitchFamily="65" charset="-120"/>
+              </a:rPr>
+              <a:t>執行建罝 </a:t>
+            </a:r>
+            <a:r>
+              <a:rPr lang="en-US" altLang="zh-TW" sz="2000" b="1" dirty="0">
+                <a:solidFill>
+                  <a:schemeClr val="accent2">
+                    <a:lumMod val="50000"/>
+                  </a:schemeClr>
+                </a:solidFill>
+                <a:latin typeface="標楷體" panose="03000509000000000000" pitchFamily="65" charset="-120"/>
+                <a:ea typeface="標楷體" panose="03000509000000000000" pitchFamily="65" charset="-120"/>
+              </a:rPr>
+              <a:t>--&gt;</a:t>
+            </a:r>
+            <a:r>
+              <a:rPr lang="zh-TW" altLang="en-US" sz="2000" b="1" dirty="0">
+                <a:solidFill>
+                  <a:schemeClr val="accent2">
+                    <a:lumMod val="50000"/>
+                  </a:schemeClr>
+                </a:solidFill>
+                <a:latin typeface="標楷體" panose="03000509000000000000" pitchFamily="65" charset="-120"/>
+                <a:ea typeface="標楷體" panose="03000509000000000000" pitchFamily="65" charset="-120"/>
+              </a:rPr>
+              <a:t>輪詢</a:t>
+            </a:r>
+            <a:r>
+              <a:rPr lang="en-US" altLang="zh-TW" sz="2000" b="1" dirty="0">
+                <a:solidFill>
+                  <a:schemeClr val="accent2">
+                    <a:lumMod val="50000"/>
+                  </a:schemeClr>
+                </a:solidFill>
+                <a:latin typeface="標楷體" panose="03000509000000000000" pitchFamily="65" charset="-120"/>
+                <a:ea typeface="標楷體" panose="03000509000000000000" pitchFamily="65" charset="-120"/>
+              </a:rPr>
+              <a:t>SCM</a:t>
+            </a:r>
+            <a:r>
+              <a:rPr lang="zh-TW" altLang="en-US" sz="2000" b="1" dirty="0">
+                <a:solidFill>
+                  <a:schemeClr val="accent2">
+                    <a:lumMod val="50000"/>
+                  </a:schemeClr>
+                </a:solidFill>
+                <a:latin typeface="標楷體" panose="03000509000000000000" pitchFamily="65" charset="-120"/>
+                <a:ea typeface="標楷體" panose="03000509000000000000" pitchFamily="65" charset="-120"/>
+              </a:rPr>
+              <a:t>，每</a:t>
+            </a:r>
+            <a:r>
+              <a:rPr lang="en-US" altLang="zh-TW" sz="2000" b="1" dirty="0">
+                <a:solidFill>
+                  <a:schemeClr val="accent2">
+                    <a:lumMod val="50000"/>
+                  </a:schemeClr>
+                </a:solidFill>
+                <a:latin typeface="標楷體" panose="03000509000000000000" pitchFamily="65" charset="-120"/>
+                <a:ea typeface="標楷體" panose="03000509000000000000" pitchFamily="65" charset="-120"/>
+              </a:rPr>
+              <a:t>5</a:t>
+            </a:r>
+            <a:r>
+              <a:rPr lang="zh-TW" altLang="en-US" sz="2000" b="1" dirty="0">
+                <a:solidFill>
+                  <a:schemeClr val="accent2">
+                    <a:lumMod val="50000"/>
+                  </a:schemeClr>
+                </a:solidFill>
+                <a:latin typeface="標楷體" panose="03000509000000000000" pitchFamily="65" charset="-120"/>
+                <a:ea typeface="標楷體" panose="03000509000000000000" pitchFamily="65" charset="-120"/>
+              </a:rPr>
+              <a:t>分鐘，只要</a:t>
+            </a:r>
+            <a:r>
+              <a:rPr lang="en-US" altLang="zh-TW" sz="2000" b="1" dirty="0">
+                <a:solidFill>
+                  <a:schemeClr val="accent2">
+                    <a:lumMod val="50000"/>
+                  </a:schemeClr>
+                </a:solidFill>
+                <a:latin typeface="標楷體" panose="03000509000000000000" pitchFamily="65" charset="-120"/>
+                <a:ea typeface="標楷體" panose="03000509000000000000" pitchFamily="65" charset="-120"/>
+              </a:rPr>
+              <a:t>GitHub </a:t>
+            </a:r>
+            <a:r>
+              <a:rPr lang="zh-TW" altLang="en-US" sz="2000" b="1" dirty="0">
+                <a:solidFill>
+                  <a:schemeClr val="accent2">
+                    <a:lumMod val="50000"/>
+                  </a:schemeClr>
+                </a:solidFill>
+                <a:latin typeface="標楷體" panose="03000509000000000000" pitchFamily="65" charset="-120"/>
+                <a:ea typeface="標楷體" panose="03000509000000000000" pitchFamily="65" charset="-120"/>
+              </a:rPr>
+              <a:t>有上傳測試腳本，即會執行測試，並產出測試報告。</a:t>
+            </a:r>
+            <a:endParaRPr lang="zh-TW" altLang="en-US" sz="2000" b="1" i="0" baseline="0" dirty="0" smtClean="0">
+              <a:solidFill>
+                <a:schemeClr val="accent2">
+                  <a:lumMod val="50000"/>
+                </a:schemeClr>
+              </a:solidFill>
+              <a:latin typeface="標楷體" panose="03000509000000000000" pitchFamily="65" charset="-120"/>
+              <a:ea typeface="標楷體" panose="03000509000000000000" pitchFamily="65" charset="-120"/>
+            </a:endParaRPr>
+          </a:p>
+        </p:txBody>
+      </p:sp>
+    </p:spTree>
+    <p:extLst>
+      <p:ext uri="{BB962C8B-B14F-4D97-AF65-F5344CB8AC3E}">
+        <p14:creationId xmlns:p14="http://schemas.microsoft.com/office/powerpoint/2010/main" val="2297759062"/>
+      </p:ext>
+    </p:extLst>
+  </p:cSld>
+  <p:clrMapOvr>
+    <a:masterClrMapping/>
+  </p:clrMapOvr>
+  <p:timing>
+    <p:tnLst>
+      <p:par>
+        <p:cTn id="1" dur="indefinite" restart="never" nodeType="tmRoot"/>
+      </p:par>
+    </p:tnLst>
+  </p:timing>
+</p:sld>
+</file>
+
+<file path=ppt/slides/slide11.xml><?xml version="1.0" encoding="utf-8"?>
+<p:sld xmlns:a="http://schemas.openxmlformats.org/drawingml/2006/main" xmlns:r="http://schemas.openxmlformats.org/officeDocument/2006/relationships" xmlns:p="http://schemas.openxmlformats.org/presentationml/2006/main">
+  <p:cSld>
+    <p:spTree>
+      <p:nvGrpSpPr>
+        <p:cNvPr id="1" name=""/>
+        <p:cNvGrpSpPr/>
+        <p:nvPr/>
+      </p:nvGrpSpPr>
+      <p:grpSpPr>
+        <a:xfrm>
+          <a:off x="0" y="0"/>
+          <a:ext cx="0" cy="0"/>
+          <a:chOff x="0" y="0"/>
+          <a:chExt cx="0" cy="0"/>
+        </a:xfrm>
+      </p:grpSpPr>
+      <p:sp>
+        <p:nvSpPr>
+          <p:cNvPr id="2" name="標題 1"/>
+          <p:cNvSpPr>
+            <a:spLocks noGrp="1"/>
+          </p:cNvSpPr>
+          <p:nvPr>
+            <p:ph type="ctrTitle"/>
+          </p:nvPr>
+        </p:nvSpPr>
+        <p:spPr>
+          <a:xfrm>
             <a:off x="1822237" y="177189"/>
             <a:ext cx="5797509" cy="730867"/>
           </a:xfrm>
@@ -8647,7 +11519,7 @@
 </p:sld>
 </file>
 
-<file path=ppt/slides/slide11.xml><?xml version="1.0" encoding="utf-8"?>
+<file path=ppt/slides/slide12.xml><?xml version="1.0" encoding="utf-8"?>
 <p:sld xmlns:a="http://schemas.openxmlformats.org/drawingml/2006/main" xmlns:r="http://schemas.openxmlformats.org/officeDocument/2006/relationships" xmlns:p="http://schemas.openxmlformats.org/presentationml/2006/main">
   <p:cSld>
     <p:spTree>
@@ -8744,7 +11616,7 @@
 </p:sld>
 </file>
 
-<file path=ppt/slides/slide12.xml><?xml version="1.0" encoding="utf-8"?>
+<file path=ppt/slides/slide13.xml><?xml version="1.0" encoding="utf-8"?>
 <p:sld xmlns:a="http://schemas.openxmlformats.org/drawingml/2006/main" xmlns:r="http://schemas.openxmlformats.org/officeDocument/2006/relationships" xmlns:p="http://schemas.openxmlformats.org/presentationml/2006/main">
   <p:cSld>
     <p:spTree>
@@ -11197,6 +14069,13 @@
             <a:r>
               <a:rPr lang="zh-TW" altLang="en-US" dirty="0" smtClean="0"/>
               <a:t>腳本</a:t>
+            </a:r>
+            <a:endParaRPr lang="en-US" altLang="zh-TW" dirty="0" smtClean="0"/>
+          </a:p>
+          <a:p>
+            <a:r>
+              <a:rPr lang="zh-TW" altLang="en-US" dirty="0" smtClean="0"/>
+              <a:t>產生測試報告</a:t>
             </a:r>
             <a:endParaRPr lang="en-US" altLang="zh-TW" dirty="0" smtClean="0"/>
           </a:p>
